--- a/【海隆信技開発一部】損保グループ課題の考え.pptx
+++ b/【海隆信技開発一部】損保グループ課題の考え.pptx
@@ -5,10 +5,10 @@
     <p:sldMasterId id="2147483660" r:id="rId1"/>
   </p:sldMasterIdLst>
   <p:notesMasterIdLst>
-    <p:notesMasterId r:id="rId10"/>
+    <p:notesMasterId r:id="rId12"/>
   </p:notesMasterIdLst>
   <p:handoutMasterIdLst>
-    <p:handoutMasterId r:id="rId11"/>
+    <p:handoutMasterId r:id="rId13"/>
   </p:handoutMasterIdLst>
   <p:sldIdLst>
     <p:sldId id="257" r:id="rId2"/>
@@ -18,7 +18,9 @@
     <p:sldId id="419" r:id="rId6"/>
     <p:sldId id="451" r:id="rId7"/>
     <p:sldId id="445" r:id="rId8"/>
-    <p:sldId id="423" r:id="rId9"/>
+    <p:sldId id="452" r:id="rId9"/>
+    <p:sldId id="453" r:id="rId10"/>
+    <p:sldId id="423" r:id="rId11"/>
   </p:sldIdLst>
   <p:sldSz cx="9906000" cy="6858000" type="A4"/>
   <p:notesSz cx="6807200" cy="9939338"/>
@@ -233,7 +235,7 @@
           <a:p>
             <a:fld id="{CFEB1593-2D14-4569-AA22-F360833ABAA4}" type="datetimeFigureOut">
               <a:rPr kumimoji="1" lang="ja-JP" altLang="en-US" smtClean="0"/>
-              <a:t>2019/8/5</a:t>
+              <a:t>2019/9/5</a:t>
             </a:fld>
             <a:endParaRPr kumimoji="1" lang="ja-JP" altLang="en-US"/>
           </a:p>
@@ -399,7 +401,7 @@
             <a:fld id="{6F0D6084-7E8B-4A36-97F0-DEDFB028508E}" type="datetimeFigureOut">
               <a:rPr kumimoji="1" lang="ja-JP" altLang="en-US" smtClean="0"/>
               <a:pPr/>
-              <a:t>2019/8/5</a:t>
+              <a:t>2019/9/5</a:t>
             </a:fld>
             <a:endParaRPr kumimoji="1" lang="ja-JP" altLang="en-US"/>
           </a:p>
@@ -6970,6 +6972,99 @@
 </p:sld>
 </file>
 
+<file path=ppt/slides/slide10.xml><?xml version="1.0" encoding="utf-8"?>
+<p:sld xmlns:a="http://schemas.openxmlformats.org/drawingml/2006/main" xmlns:r="http://schemas.openxmlformats.org/officeDocument/2006/relationships" xmlns:p="http://schemas.openxmlformats.org/presentationml/2006/main">
+  <p:cSld>
+    <p:spTree>
+      <p:nvGrpSpPr>
+        <p:cNvPr id="1" name=""/>
+        <p:cNvGrpSpPr/>
+        <p:nvPr/>
+      </p:nvGrpSpPr>
+      <p:grpSpPr>
+        <a:xfrm>
+          <a:off x="0" y="0"/>
+          <a:ext cx="0" cy="0"/>
+          <a:chOff x="0" y="0"/>
+          <a:chExt cx="0" cy="0"/>
+        </a:xfrm>
+      </p:grpSpPr>
+      <p:pic>
+        <p:nvPicPr>
+          <p:cNvPr id="4" name="図 3"/>
+          <p:cNvPicPr>
+            <a:picLocks noChangeAspect="1"/>
+          </p:cNvPicPr>
+          <p:nvPr/>
+        </p:nvPicPr>
+        <p:blipFill>
+          <a:blip r:embed="rId2"/>
+          <a:stretch>
+            <a:fillRect/>
+          </a:stretch>
+        </p:blipFill>
+        <p:spPr>
+          <a:xfrm>
+            <a:off x="2144688" y="2204864"/>
+            <a:ext cx="5715000" cy="2533650"/>
+          </a:xfrm>
+          <a:prstGeom prst="rect">
+            <a:avLst/>
+          </a:prstGeom>
+        </p:spPr>
+      </p:pic>
+      <p:sp>
+        <p:nvSpPr>
+          <p:cNvPr id="2" name="正方形/長方形 1"/>
+          <p:cNvSpPr/>
+          <p:nvPr/>
+        </p:nvSpPr>
+        <p:spPr>
+          <a:xfrm>
+            <a:off x="632520" y="476672"/>
+            <a:ext cx="4104009" cy="523220"/>
+          </a:xfrm>
+          <a:prstGeom prst="rect">
+            <a:avLst/>
+          </a:prstGeom>
+        </p:spPr>
+        <p:txBody>
+          <a:bodyPr wrap="none">
+            <a:spAutoFit/>
+          </a:bodyPr>
+          <a:lstStyle/>
+          <a:p>
+            <a:r>
+              <a:rPr lang="ja-JP" altLang="en-US" sz="2800" dirty="0">
+                <a:latin typeface="Meiryo UI" panose="020B0604030504040204" pitchFamily="50" charset="-128"/>
+                <a:ea typeface="Meiryo UI" panose="020B0604030504040204" pitchFamily="50" charset="-128"/>
+                <a:cs typeface="Meiryo UI" panose="020B0604030504040204" pitchFamily="50" charset="-128"/>
+              </a:rPr>
+              <a:t>ご清聴ありがとうございました</a:t>
+            </a:r>
+          </a:p>
+        </p:txBody>
+      </p:sp>
+    </p:spTree>
+    <p:extLst>
+      <p:ext uri="{BB962C8B-B14F-4D97-AF65-F5344CB8AC3E}">
+        <p14:creationId xmlns:p14="http://schemas.microsoft.com/office/powerpoint/2010/main" val="4164267003"/>
+      </p:ext>
+    </p:extLst>
+  </p:cSld>
+  <p:clrMapOvr>
+    <a:masterClrMapping/>
+  </p:clrMapOvr>
+  <p:timing>
+    <p:tnLst>
+      <p:par>
+        <p:cTn id="1" dur="indefinite" restart="never" nodeType="tmRoot"/>
+      </p:par>
+    </p:tnLst>
+  </p:timing>
+</p:sld>
+</file>
+
 <file path=ppt/slides/slide2.xml><?xml version="1.0" encoding="utf-8"?>
 <p:sld xmlns:a="http://schemas.openxmlformats.org/drawingml/2006/main" xmlns:r="http://schemas.openxmlformats.org/officeDocument/2006/relationships" xmlns:p="http://schemas.openxmlformats.org/presentationml/2006/main">
   <p:cSld>
@@ -8673,14 +8768,14 @@
           <p:nvPr>
             <p:extLst>
               <p:ext uri="{D42A27DB-BD31-4B8C-83A1-F6EECF244321}">
-                <p14:modId xmlns:p14="http://schemas.microsoft.com/office/powerpoint/2010/main" val="304215177"/>
+                <p14:modId xmlns:p14="http://schemas.microsoft.com/office/powerpoint/2010/main" val="393145021"/>
               </p:ext>
             </p:extLst>
           </p:nvPr>
         </p:nvGraphicFramePr>
         <p:xfrm>
-          <a:off x="776537" y="1700806"/>
-          <a:ext cx="2376263" cy="1455903"/>
+          <a:off x="776537" y="1718302"/>
+          <a:ext cx="2664296" cy="1758447"/>
         </p:xfrm>
         <a:graphic>
           <a:graphicData uri="http://schemas.openxmlformats.org/drawingml/2006/table">
@@ -8689,12 +8784,13 @@
                 <a:tableStyleId>{5C22544A-7EE6-4342-B048-85BDC9FD1C3A}</a:tableStyleId>
               </a:tblPr>
               <a:tblGrid>
-                <a:gridCol w="864095"/>
-                <a:gridCol w="432048"/>
-                <a:gridCol w="576064"/>
-                <a:gridCol w="504056"/>
+                <a:gridCol w="799288"/>
+                <a:gridCol w="392633"/>
+                <a:gridCol w="539871"/>
+                <a:gridCol w="466252"/>
+                <a:gridCol w="466252"/>
               </a:tblGrid>
-              <a:tr h="215748">
+              <a:tr h="198252">
                 <a:tc>
                   <a:txBody>
                     <a:bodyPr/>
@@ -8807,8 +8903,41 @@
                     </a:solidFill>
                   </a:tcPr>
                 </a:tc>
+                <a:tc>
+                  <a:txBody>
+                    <a:bodyPr/>
+                    <a:lstStyle/>
+                    <a:p>
+                      <a:pPr algn="l" fontAlgn="ctr"/>
+                      <a:r>
+                        <a:rPr lang="ja-JP" altLang="en-US" sz="1100" b="0" i="0" u="none" strike="noStrike" dirty="0" smtClean="0">
+                          <a:solidFill>
+                            <a:srgbClr val="000000"/>
+                          </a:solidFill>
+                          <a:effectLst/>
+                          <a:latin typeface="ＭＳ Ｐゴシック" panose="020B0600070205080204" pitchFamily="50" charset="-128"/>
+                          <a:ea typeface="ＭＳ Ｐゴシック" panose="020B0600070205080204" pitchFamily="50" charset="-128"/>
+                        </a:rPr>
+                        <a:t>比率</a:t>
+                      </a:r>
+                      <a:endParaRPr lang="ja-JP" altLang="en-US" sz="1100" b="0" i="0" u="none" strike="noStrike" dirty="0">
+                        <a:solidFill>
+                          <a:srgbClr val="000000"/>
+                        </a:solidFill>
+                        <a:effectLst/>
+                        <a:latin typeface="ＭＳ Ｐゴシック" panose="020B0600070205080204" pitchFamily="50" charset="-128"/>
+                        <a:ea typeface="ＭＳ Ｐゴシック" panose="020B0600070205080204" pitchFamily="50" charset="-128"/>
+                      </a:endParaRPr>
+                    </a:p>
+                  </a:txBody>
+                  <a:tcPr marL="9525" marR="9525" marT="9525" marB="0" anchor="ctr">
+                    <a:solidFill>
+                      <a:schemeClr val="accent2"/>
+                    </a:solidFill>
+                  </a:tcPr>
+                </a:tc>
               </a:tr>
-              <a:tr h="154343">
+              <a:tr h="260827">
                 <a:tc>
                   <a:txBody>
                     <a:bodyPr/>
@@ -8838,21 +8967,18 @@
                     <a:bodyPr/>
                     <a:lstStyle/>
                     <a:p>
-                      <a:pPr algn="r" fontAlgn="ctr"/>
+                      <a:pPr algn="r" rtl="0" fontAlgn="ctr"/>
                       <a:r>
-                        <a:rPr lang="en-US" altLang="ja-JP" sz="1100" u="none" strike="noStrike">
+                        <a:rPr lang="en-US" altLang="ja-JP" sz="1100" b="0" i="0" u="none" strike="noStrike" dirty="0">
+                          <a:solidFill>
+                            <a:srgbClr val="000000"/>
+                          </a:solidFill>
                           <a:effectLst/>
+                          <a:latin typeface="Arial" panose="020B0604020202020204" pitchFamily="34" charset="0"/>
+                          <a:ea typeface="ＭＳ Ｐゴシック" panose="020B0600070205080204" pitchFamily="34" charset="-128"/>
                         </a:rPr>
                         <a:t>1</a:t>
                       </a:r>
-                      <a:endParaRPr lang="en-US" altLang="ja-JP" sz="1100" b="0" i="0" u="none" strike="noStrike">
-                        <a:solidFill>
-                          <a:srgbClr val="000000"/>
-                        </a:solidFill>
-                        <a:effectLst/>
-                        <a:latin typeface="ＭＳ Ｐゴシック" panose="020B0600070205080204" pitchFamily="50" charset="-128"/>
-                        <a:ea typeface="ＭＳ Ｐゴシック" panose="020B0600070205080204" pitchFamily="50" charset="-128"/>
-                      </a:endParaRPr>
                     </a:p>
                   </a:txBody>
                   <a:tcPr marL="9525" marR="9525" marT="9525" marB="0" anchor="ctr"/>
@@ -8863,14 +8989,17 @@
                     <a:lstStyle/>
                     <a:p>
                       <a:pPr algn="l" fontAlgn="ctr"/>
-                      <a:endParaRPr lang="ja-JP" altLang="en-US" sz="1100" b="0" i="0" u="none" strike="noStrike" dirty="0">
-                        <a:solidFill>
-                          <a:srgbClr val="000000"/>
-                        </a:solidFill>
-                        <a:effectLst/>
-                        <a:latin typeface="ＭＳ Ｐゴシック" panose="020B0600070205080204" pitchFamily="50" charset="-128"/>
-                        <a:ea typeface="ＭＳ Ｐゴシック" panose="020B0600070205080204" pitchFamily="50" charset="-128"/>
-                      </a:endParaRPr>
+                      <a:r>
+                        <a:rPr lang="ja-JP" altLang="en-US" sz="1800" b="0" i="0" u="none" strike="noStrike">
+                          <a:solidFill>
+                            <a:srgbClr val="000000"/>
+                          </a:solidFill>
+                          <a:effectLst/>
+                          <a:latin typeface="Arial" panose="020B0604020202020204" pitchFamily="34" charset="0"/>
+                          <a:ea typeface="ＭＳ Ｐゴシック" panose="020B0600070205080204" pitchFamily="34" charset="-128"/>
+                        </a:rPr>
+                        <a:t>　</a:t>
+                      </a:r>
                     </a:p>
                   </a:txBody>
                   <a:tcPr marL="9525" marR="9525" marT="9525" marB="0" anchor="ctr"/>
@@ -8880,27 +9009,45 @@
                     <a:bodyPr/>
                     <a:lstStyle/>
                     <a:p>
-                      <a:pPr algn="r" fontAlgn="ctr"/>
+                      <a:pPr algn="r" rtl="0" fontAlgn="ctr"/>
                       <a:r>
-                        <a:rPr lang="en-US" altLang="ja-JP" sz="1100" u="none" strike="noStrike">
+                        <a:rPr lang="en-US" altLang="ja-JP" sz="1100" b="0" i="0" u="none" strike="noStrike">
+                          <a:solidFill>
+                            <a:srgbClr val="000000"/>
+                          </a:solidFill>
                           <a:effectLst/>
+                          <a:latin typeface="Arial" panose="020B0604020202020204" pitchFamily="34" charset="0"/>
+                          <a:ea typeface="ＭＳ Ｐゴシック" panose="020B0600070205080204" pitchFamily="34" charset="-128"/>
                         </a:rPr>
                         <a:t>1</a:t>
                       </a:r>
-                      <a:endParaRPr lang="en-US" altLang="ja-JP" sz="1100" b="0" i="0" u="none" strike="noStrike">
-                        <a:solidFill>
-                          <a:srgbClr val="000000"/>
-                        </a:solidFill>
-                        <a:effectLst/>
-                        <a:latin typeface="ＭＳ Ｐゴシック" panose="020B0600070205080204" pitchFamily="50" charset="-128"/>
-                        <a:ea typeface="ＭＳ Ｐゴシック" panose="020B0600070205080204" pitchFamily="50" charset="-128"/>
-                      </a:endParaRPr>
+                    </a:p>
+                  </a:txBody>
+                  <a:tcPr marL="9525" marR="9525" marT="9525" marB="0" anchor="ctr"/>
+                </a:tc>
+                <a:tc>
+                  <a:txBody>
+                    <a:bodyPr/>
+                    <a:lstStyle/>
+                    <a:p>
+                      <a:pPr algn="r" rtl="0" fontAlgn="ctr"/>
+                      <a:r>
+                        <a:rPr lang="en-US" altLang="ja-JP" sz="1100" b="0" i="0" u="none" strike="noStrike" dirty="0">
+                          <a:solidFill>
+                            <a:srgbClr val="000000"/>
+                          </a:solidFill>
+                          <a:effectLst/>
+                          <a:latin typeface="ＭＳ Ｐゴシック" panose="020B0600070205080204" pitchFamily="34" charset="-128"/>
+                          <a:ea typeface="ＭＳ Ｐゴシック" panose="020B0600070205080204" pitchFamily="34" charset="-128"/>
+                        </a:rPr>
+                        <a:t>1%</a:t>
+                      </a:r>
                     </a:p>
                   </a:txBody>
                   <a:tcPr marL="9525" marR="9525" marT="9525" marB="0" anchor="ctr"/>
                 </a:tc>
               </a:tr>
-              <a:tr h="154343">
+              <a:tr h="162798">
                 <a:tc>
                   <a:txBody>
                     <a:bodyPr/>
@@ -8930,21 +9077,18 @@
                     <a:bodyPr/>
                     <a:lstStyle/>
                     <a:p>
-                      <a:pPr algn="r" fontAlgn="ctr"/>
+                      <a:pPr algn="r" rtl="0" fontAlgn="ctr"/>
                       <a:r>
-                        <a:rPr lang="en-US" altLang="ja-JP" sz="1100" u="none" strike="noStrike">
+                        <a:rPr lang="en-US" altLang="ja-JP" sz="1100" b="0" i="0" u="none" strike="noStrike">
+                          <a:solidFill>
+                            <a:srgbClr val="000000"/>
+                          </a:solidFill>
                           <a:effectLst/>
+                          <a:latin typeface="Arial" panose="020B0604020202020204" pitchFamily="34" charset="0"/>
+                          <a:ea typeface="ＭＳ Ｐゴシック" panose="020B0600070205080204" pitchFamily="34" charset="-128"/>
                         </a:rPr>
                         <a:t>6</a:t>
                       </a:r>
-                      <a:endParaRPr lang="en-US" altLang="ja-JP" sz="1100" b="0" i="0" u="none" strike="noStrike">
-                        <a:solidFill>
-                          <a:srgbClr val="000000"/>
-                        </a:solidFill>
-                        <a:effectLst/>
-                        <a:latin typeface="ＭＳ Ｐゴシック" panose="020B0600070205080204" pitchFamily="50" charset="-128"/>
-                        <a:ea typeface="ＭＳ Ｐゴシック" panose="020B0600070205080204" pitchFamily="50" charset="-128"/>
-                      </a:endParaRPr>
                     </a:p>
                   </a:txBody>
                   <a:tcPr marL="9525" marR="9525" marT="9525" marB="0" anchor="ctr"/>
@@ -8954,21 +9098,18 @@
                     <a:bodyPr/>
                     <a:lstStyle/>
                     <a:p>
-                      <a:pPr algn="r" fontAlgn="ctr"/>
+                      <a:pPr algn="r" rtl="0" fontAlgn="ctr"/>
                       <a:r>
-                        <a:rPr lang="en-US" altLang="ja-JP" sz="1100" u="none" strike="noStrike">
+                        <a:rPr lang="en-US" altLang="ja-JP" sz="1100" b="0" i="0" u="none" strike="noStrike">
+                          <a:solidFill>
+                            <a:srgbClr val="000000"/>
+                          </a:solidFill>
                           <a:effectLst/>
+                          <a:latin typeface="Arial" panose="020B0604020202020204" pitchFamily="34" charset="0"/>
+                          <a:ea typeface="ＭＳ Ｐゴシック" panose="020B0600070205080204" pitchFamily="34" charset="-128"/>
                         </a:rPr>
                         <a:t>1</a:t>
                       </a:r>
-                      <a:endParaRPr lang="en-US" altLang="ja-JP" sz="1100" b="0" i="0" u="none" strike="noStrike">
-                        <a:solidFill>
-                          <a:srgbClr val="000000"/>
-                        </a:solidFill>
-                        <a:effectLst/>
-                        <a:latin typeface="ＭＳ Ｐゴシック" panose="020B0600070205080204" pitchFamily="50" charset="-128"/>
-                        <a:ea typeface="ＭＳ Ｐゴシック" panose="020B0600070205080204" pitchFamily="50" charset="-128"/>
-                      </a:endParaRPr>
                     </a:p>
                   </a:txBody>
                   <a:tcPr marL="9525" marR="9525" marT="9525" marB="0" anchor="ctr"/>
@@ -8978,27 +9119,45 @@
                     <a:bodyPr/>
                     <a:lstStyle/>
                     <a:p>
-                      <a:pPr algn="r" fontAlgn="ctr"/>
+                      <a:pPr algn="r" rtl="0" fontAlgn="ctr"/>
                       <a:r>
-                        <a:rPr lang="en-US" altLang="ja-JP" sz="1100" u="none" strike="noStrike">
+                        <a:rPr lang="en-US" altLang="ja-JP" sz="1100" b="0" i="0" u="none" strike="noStrike">
+                          <a:solidFill>
+                            <a:srgbClr val="000000"/>
+                          </a:solidFill>
                           <a:effectLst/>
+                          <a:latin typeface="Arial" panose="020B0604020202020204" pitchFamily="34" charset="0"/>
+                          <a:ea typeface="ＭＳ Ｐゴシック" panose="020B0600070205080204" pitchFamily="34" charset="-128"/>
                         </a:rPr>
                         <a:t>7</a:t>
                       </a:r>
-                      <a:endParaRPr lang="en-US" altLang="ja-JP" sz="1100" b="0" i="0" u="none" strike="noStrike">
-                        <a:solidFill>
-                          <a:srgbClr val="000000"/>
-                        </a:solidFill>
-                        <a:effectLst/>
-                        <a:latin typeface="ＭＳ Ｐゴシック" panose="020B0600070205080204" pitchFamily="50" charset="-128"/>
-                        <a:ea typeface="ＭＳ Ｐゴシック" panose="020B0600070205080204" pitchFamily="50" charset="-128"/>
-                      </a:endParaRPr>
+                    </a:p>
+                  </a:txBody>
+                  <a:tcPr marL="9525" marR="9525" marT="9525" marB="0" anchor="ctr"/>
+                </a:tc>
+                <a:tc>
+                  <a:txBody>
+                    <a:bodyPr/>
+                    <a:lstStyle/>
+                    <a:p>
+                      <a:pPr algn="r" rtl="0" fontAlgn="ctr"/>
+                      <a:r>
+                        <a:rPr lang="en-US" altLang="ja-JP" sz="1100" b="0" i="0" u="none" strike="noStrike">
+                          <a:solidFill>
+                            <a:srgbClr val="000000"/>
+                          </a:solidFill>
+                          <a:effectLst/>
+                          <a:latin typeface="ＭＳ Ｐゴシック" panose="020B0600070205080204" pitchFamily="34" charset="-128"/>
+                          <a:ea typeface="ＭＳ Ｐゴシック" panose="020B0600070205080204" pitchFamily="34" charset="-128"/>
+                        </a:rPr>
+                        <a:t>7%</a:t>
+                      </a:r>
                     </a:p>
                   </a:txBody>
                   <a:tcPr marL="9525" marR="9525" marT="9525" marB="0" anchor="ctr"/>
                 </a:tc>
               </a:tr>
-              <a:tr h="154343">
+              <a:tr h="162798">
                 <a:tc>
                   <a:txBody>
                     <a:bodyPr/>
@@ -9028,21 +9187,18 @@
                     <a:bodyPr/>
                     <a:lstStyle/>
                     <a:p>
-                      <a:pPr algn="r" fontAlgn="ctr"/>
+                      <a:pPr algn="r" rtl="0" fontAlgn="ctr"/>
                       <a:r>
-                        <a:rPr lang="en-US" altLang="ja-JP" sz="1100" u="none" strike="noStrike">
+                        <a:rPr lang="en-US" altLang="ja-JP" sz="1100" b="0" i="0" u="none" strike="noStrike">
+                          <a:solidFill>
+                            <a:srgbClr val="000000"/>
+                          </a:solidFill>
                           <a:effectLst/>
+                          <a:latin typeface="Arial" panose="020B0604020202020204" pitchFamily="34" charset="0"/>
+                          <a:ea typeface="ＭＳ Ｐゴシック" panose="020B0600070205080204" pitchFamily="34" charset="-128"/>
                         </a:rPr>
-                        <a:t>25</a:t>
+                        <a:t>26</a:t>
                       </a:r>
-                      <a:endParaRPr lang="en-US" altLang="ja-JP" sz="1100" b="0" i="0" u="none" strike="noStrike">
-                        <a:solidFill>
-                          <a:srgbClr val="000000"/>
-                        </a:solidFill>
-                        <a:effectLst/>
-                        <a:latin typeface="ＭＳ Ｐゴシック" panose="020B0600070205080204" pitchFamily="50" charset="-128"/>
-                        <a:ea typeface="ＭＳ Ｐゴシック" panose="020B0600070205080204" pitchFamily="50" charset="-128"/>
-                      </a:endParaRPr>
                     </a:p>
                   </a:txBody>
                   <a:tcPr marL="9525" marR="9525" marT="9525" marB="0" anchor="ctr"/>
@@ -9052,21 +9208,18 @@
                     <a:bodyPr/>
                     <a:lstStyle/>
                     <a:p>
-                      <a:pPr algn="r" fontAlgn="ctr"/>
+                      <a:pPr algn="r" rtl="0" fontAlgn="ctr"/>
                       <a:r>
-                        <a:rPr lang="en-US" altLang="ja-JP" sz="1100" u="none" strike="noStrike">
+                        <a:rPr lang="en-US" altLang="ja-JP" sz="1100" b="0" i="0" u="none" strike="noStrike">
+                          <a:solidFill>
+                            <a:srgbClr val="000000"/>
+                          </a:solidFill>
                           <a:effectLst/>
+                          <a:latin typeface="Arial" panose="020B0604020202020204" pitchFamily="34" charset="0"/>
+                          <a:ea typeface="ＭＳ Ｐゴシック" panose="020B0600070205080204" pitchFamily="34" charset="-128"/>
                         </a:rPr>
                         <a:t>1</a:t>
                       </a:r>
-                      <a:endParaRPr lang="en-US" altLang="ja-JP" sz="1100" b="0" i="0" u="none" strike="noStrike">
-                        <a:solidFill>
-                          <a:srgbClr val="000000"/>
-                        </a:solidFill>
-                        <a:effectLst/>
-                        <a:latin typeface="ＭＳ Ｐゴシック" panose="020B0600070205080204" pitchFamily="50" charset="-128"/>
-                        <a:ea typeface="ＭＳ Ｐゴシック" panose="020B0600070205080204" pitchFamily="50" charset="-128"/>
-                      </a:endParaRPr>
                     </a:p>
                   </a:txBody>
                   <a:tcPr marL="9525" marR="9525" marT="9525" marB="0" anchor="ctr"/>
@@ -9076,27 +9229,45 @@
                     <a:bodyPr/>
                     <a:lstStyle/>
                     <a:p>
-                      <a:pPr algn="r" fontAlgn="ctr"/>
+                      <a:pPr algn="r" rtl="0" fontAlgn="ctr"/>
                       <a:r>
-                        <a:rPr lang="en-US" altLang="ja-JP" sz="1100" u="none" strike="noStrike">
+                        <a:rPr lang="en-US" altLang="ja-JP" sz="1100" b="0" i="0" u="none" strike="noStrike">
+                          <a:solidFill>
+                            <a:srgbClr val="000000"/>
+                          </a:solidFill>
                           <a:effectLst/>
+                          <a:latin typeface="Arial" panose="020B0604020202020204" pitchFamily="34" charset="0"/>
+                          <a:ea typeface="ＭＳ Ｐゴシック" panose="020B0600070205080204" pitchFamily="34" charset="-128"/>
                         </a:rPr>
-                        <a:t>26</a:t>
+                        <a:t>27</a:t>
                       </a:r>
-                      <a:endParaRPr lang="en-US" altLang="ja-JP" sz="1100" b="0" i="0" u="none" strike="noStrike">
-                        <a:solidFill>
-                          <a:srgbClr val="000000"/>
-                        </a:solidFill>
-                        <a:effectLst/>
-                        <a:latin typeface="ＭＳ Ｐゴシック" panose="020B0600070205080204" pitchFamily="50" charset="-128"/>
-                        <a:ea typeface="ＭＳ Ｐゴシック" panose="020B0600070205080204" pitchFamily="50" charset="-128"/>
-                      </a:endParaRPr>
+                    </a:p>
+                  </a:txBody>
+                  <a:tcPr marL="9525" marR="9525" marT="9525" marB="0" anchor="ctr"/>
+                </a:tc>
+                <a:tc>
+                  <a:txBody>
+                    <a:bodyPr/>
+                    <a:lstStyle/>
+                    <a:p>
+                      <a:pPr algn="r" rtl="0" fontAlgn="ctr"/>
+                      <a:r>
+                        <a:rPr lang="en-US" altLang="ja-JP" sz="1100" b="0" i="0" u="none" strike="noStrike">
+                          <a:solidFill>
+                            <a:srgbClr val="000000"/>
+                          </a:solidFill>
+                          <a:effectLst/>
+                          <a:latin typeface="ＭＳ Ｐゴシック" panose="020B0600070205080204" pitchFamily="34" charset="-128"/>
+                          <a:ea typeface="ＭＳ Ｐゴシック" panose="020B0600070205080204" pitchFamily="34" charset="-128"/>
+                        </a:rPr>
+                        <a:t>28%</a:t>
+                      </a:r>
                     </a:p>
                   </a:txBody>
                   <a:tcPr marL="9525" marR="9525" marT="9525" marB="0" anchor="ctr"/>
                 </a:tc>
               </a:tr>
-              <a:tr h="154343">
+              <a:tr h="260827">
                 <a:tc>
                   <a:txBody>
                     <a:bodyPr/>
@@ -9126,21 +9297,18 @@
                     <a:bodyPr/>
                     <a:lstStyle/>
                     <a:p>
-                      <a:pPr algn="r" fontAlgn="ctr"/>
+                      <a:pPr algn="r" rtl="0" fontAlgn="ctr"/>
                       <a:r>
-                        <a:rPr lang="en-US" altLang="ja-JP" sz="1100" u="none" strike="noStrike">
+                        <a:rPr lang="en-US" altLang="ja-JP" sz="1100" b="0" i="0" u="none" strike="noStrike">
+                          <a:solidFill>
+                            <a:srgbClr val="000000"/>
+                          </a:solidFill>
                           <a:effectLst/>
+                          <a:latin typeface="Arial" panose="020B0604020202020204" pitchFamily="34" charset="0"/>
+                          <a:ea typeface="ＭＳ Ｐゴシック" panose="020B0600070205080204" pitchFamily="34" charset="-128"/>
                         </a:rPr>
                         <a:t>9</a:t>
                       </a:r>
-                      <a:endParaRPr lang="en-US" altLang="ja-JP" sz="1100" b="0" i="0" u="none" strike="noStrike">
-                        <a:solidFill>
-                          <a:srgbClr val="000000"/>
-                        </a:solidFill>
-                        <a:effectLst/>
-                        <a:latin typeface="ＭＳ Ｐゴシック" panose="020B0600070205080204" pitchFamily="50" charset="-128"/>
-                        <a:ea typeface="ＭＳ Ｐゴシック" panose="020B0600070205080204" pitchFamily="50" charset="-128"/>
-                      </a:endParaRPr>
                     </a:p>
                   </a:txBody>
                   <a:tcPr marL="9525" marR="9525" marT="9525" marB="0" anchor="ctr"/>
@@ -9151,14 +9319,17 @@
                     <a:lstStyle/>
                     <a:p>
                       <a:pPr algn="l" fontAlgn="ctr"/>
-                      <a:endParaRPr lang="ja-JP" altLang="en-US" sz="1100" b="0" i="0" u="none" strike="noStrike" dirty="0">
-                        <a:solidFill>
-                          <a:srgbClr val="000000"/>
-                        </a:solidFill>
-                        <a:effectLst/>
-                        <a:latin typeface="ＭＳ Ｐゴシック" panose="020B0600070205080204" pitchFamily="50" charset="-128"/>
-                        <a:ea typeface="ＭＳ Ｐゴシック" panose="020B0600070205080204" pitchFamily="50" charset="-128"/>
-                      </a:endParaRPr>
+                      <a:r>
+                        <a:rPr lang="ja-JP" altLang="en-US" sz="1800" b="0" i="0" u="none" strike="noStrike">
+                          <a:solidFill>
+                            <a:srgbClr val="000000"/>
+                          </a:solidFill>
+                          <a:effectLst/>
+                          <a:latin typeface="Arial" panose="020B0604020202020204" pitchFamily="34" charset="0"/>
+                          <a:ea typeface="ＭＳ Ｐゴシック" panose="020B0600070205080204" pitchFamily="34" charset="-128"/>
+                        </a:rPr>
+                        <a:t>　</a:t>
+                      </a:r>
                     </a:p>
                   </a:txBody>
                   <a:tcPr marL="9525" marR="9525" marT="9525" marB="0" anchor="ctr"/>
@@ -9168,27 +9339,45 @@
                     <a:bodyPr/>
                     <a:lstStyle/>
                     <a:p>
-                      <a:pPr algn="r" fontAlgn="ctr"/>
+                      <a:pPr algn="r" rtl="0" fontAlgn="ctr"/>
                       <a:r>
-                        <a:rPr lang="en-US" altLang="ja-JP" sz="1100" u="none" strike="noStrike">
+                        <a:rPr lang="en-US" altLang="ja-JP" sz="1100" b="0" i="0" u="none" strike="noStrike">
+                          <a:solidFill>
+                            <a:srgbClr val="000000"/>
+                          </a:solidFill>
                           <a:effectLst/>
+                          <a:latin typeface="Arial" panose="020B0604020202020204" pitchFamily="34" charset="0"/>
+                          <a:ea typeface="ＭＳ Ｐゴシック" panose="020B0600070205080204" pitchFamily="34" charset="-128"/>
                         </a:rPr>
                         <a:t>9</a:t>
                       </a:r>
-                      <a:endParaRPr lang="en-US" altLang="ja-JP" sz="1100" b="0" i="0" u="none" strike="noStrike">
-                        <a:solidFill>
-                          <a:srgbClr val="000000"/>
-                        </a:solidFill>
-                        <a:effectLst/>
-                        <a:latin typeface="ＭＳ Ｐゴシック" panose="020B0600070205080204" pitchFamily="50" charset="-128"/>
-                        <a:ea typeface="ＭＳ Ｐゴシック" panose="020B0600070205080204" pitchFamily="50" charset="-128"/>
-                      </a:endParaRPr>
+                    </a:p>
+                  </a:txBody>
+                  <a:tcPr marL="9525" marR="9525" marT="9525" marB="0" anchor="ctr"/>
+                </a:tc>
+                <a:tc>
+                  <a:txBody>
+                    <a:bodyPr/>
+                    <a:lstStyle/>
+                    <a:p>
+                      <a:pPr algn="r" rtl="0" fontAlgn="ctr"/>
+                      <a:r>
+                        <a:rPr lang="en-US" altLang="ja-JP" sz="1100" b="0" i="0" u="none" strike="noStrike" dirty="0">
+                          <a:solidFill>
+                            <a:srgbClr val="000000"/>
+                          </a:solidFill>
+                          <a:effectLst/>
+                          <a:latin typeface="ＭＳ Ｐゴシック" panose="020B0600070205080204" pitchFamily="34" charset="-128"/>
+                          <a:ea typeface="ＭＳ Ｐゴシック" panose="020B0600070205080204" pitchFamily="34" charset="-128"/>
+                        </a:rPr>
+                        <a:t>9%</a:t>
+                      </a:r>
                     </a:p>
                   </a:txBody>
                   <a:tcPr marL="9525" marR="9525" marT="9525" marB="0" anchor="ctr"/>
                 </a:tc>
               </a:tr>
-              <a:tr h="154343">
+              <a:tr h="162798">
                 <a:tc>
                   <a:txBody>
                     <a:bodyPr/>
@@ -9218,21 +9407,18 @@
                     <a:bodyPr/>
                     <a:lstStyle/>
                     <a:p>
-                      <a:pPr algn="r" fontAlgn="ctr"/>
+                      <a:pPr algn="r" rtl="0" fontAlgn="ctr"/>
                       <a:r>
-                        <a:rPr lang="en-US" altLang="ja-JP" sz="1100" u="none" strike="noStrike">
+                        <a:rPr lang="en-US" altLang="ja-JP" sz="1100" b="0" i="0" u="none" strike="noStrike">
+                          <a:solidFill>
+                            <a:srgbClr val="000000"/>
+                          </a:solidFill>
                           <a:effectLst/>
+                          <a:latin typeface="Arial" panose="020B0604020202020204" pitchFamily="34" charset="0"/>
+                          <a:ea typeface="ＭＳ Ｐゴシック" panose="020B0600070205080204" pitchFamily="34" charset="-128"/>
                         </a:rPr>
-                        <a:t>21</a:t>
+                        <a:t>19</a:t>
                       </a:r>
-                      <a:endParaRPr lang="en-US" altLang="ja-JP" sz="1100" b="0" i="0" u="none" strike="noStrike">
-                        <a:solidFill>
-                          <a:srgbClr val="000000"/>
-                        </a:solidFill>
-                        <a:effectLst/>
-                        <a:latin typeface="ＭＳ Ｐゴシック" panose="020B0600070205080204" pitchFamily="50" charset="-128"/>
-                        <a:ea typeface="ＭＳ Ｐゴシック" panose="020B0600070205080204" pitchFamily="50" charset="-128"/>
-                      </a:endParaRPr>
                     </a:p>
                   </a:txBody>
                   <a:tcPr marL="9525" marR="9525" marT="9525" marB="0" anchor="ctr"/>
@@ -9242,21 +9428,18 @@
                     <a:bodyPr/>
                     <a:lstStyle/>
                     <a:p>
-                      <a:pPr algn="r" fontAlgn="ctr"/>
+                      <a:pPr algn="r" rtl="0" fontAlgn="ctr"/>
                       <a:r>
-                        <a:rPr lang="en-US" altLang="ja-JP" sz="1100" u="none" strike="noStrike" dirty="0">
+                        <a:rPr lang="en-US" altLang="ja-JP" sz="1100" b="0" i="0" u="none" strike="noStrike">
+                          <a:solidFill>
+                            <a:srgbClr val="000000"/>
+                          </a:solidFill>
                           <a:effectLst/>
+                          <a:latin typeface="Arial" panose="020B0604020202020204" pitchFamily="34" charset="0"/>
+                          <a:ea typeface="ＭＳ Ｐゴシック" panose="020B0600070205080204" pitchFamily="34" charset="-128"/>
                         </a:rPr>
                         <a:t>1</a:t>
                       </a:r>
-                      <a:endParaRPr lang="en-US" altLang="ja-JP" sz="1100" b="0" i="0" u="none" strike="noStrike" dirty="0">
-                        <a:solidFill>
-                          <a:srgbClr val="000000"/>
-                        </a:solidFill>
-                        <a:effectLst/>
-                        <a:latin typeface="ＭＳ Ｐゴシック" panose="020B0600070205080204" pitchFamily="50" charset="-128"/>
-                        <a:ea typeface="ＭＳ Ｐゴシック" panose="020B0600070205080204" pitchFamily="50" charset="-128"/>
-                      </a:endParaRPr>
                     </a:p>
                   </a:txBody>
                   <a:tcPr marL="9525" marR="9525" marT="9525" marB="0" anchor="ctr"/>
@@ -9266,27 +9449,45 @@
                     <a:bodyPr/>
                     <a:lstStyle/>
                     <a:p>
-                      <a:pPr algn="r" fontAlgn="ctr"/>
+                      <a:pPr algn="r" rtl="0" fontAlgn="ctr"/>
                       <a:r>
-                        <a:rPr lang="en-US" altLang="ja-JP" sz="1100" u="none" strike="noStrike">
+                        <a:rPr lang="en-US" altLang="ja-JP" sz="1100" b="0" i="0" u="none" strike="noStrike">
+                          <a:solidFill>
+                            <a:srgbClr val="000000"/>
+                          </a:solidFill>
                           <a:effectLst/>
+                          <a:latin typeface="Arial" panose="020B0604020202020204" pitchFamily="34" charset="0"/>
+                          <a:ea typeface="ＭＳ Ｐゴシック" panose="020B0600070205080204" pitchFamily="34" charset="-128"/>
                         </a:rPr>
-                        <a:t>22</a:t>
+                        <a:t>20</a:t>
                       </a:r>
-                      <a:endParaRPr lang="en-US" altLang="ja-JP" sz="1100" b="0" i="0" u="none" strike="noStrike">
-                        <a:solidFill>
-                          <a:srgbClr val="000000"/>
-                        </a:solidFill>
-                        <a:effectLst/>
-                        <a:latin typeface="ＭＳ Ｐゴシック" panose="020B0600070205080204" pitchFamily="50" charset="-128"/>
-                        <a:ea typeface="ＭＳ Ｐゴシック" panose="020B0600070205080204" pitchFamily="50" charset="-128"/>
-                      </a:endParaRPr>
+                    </a:p>
+                  </a:txBody>
+                  <a:tcPr marL="9525" marR="9525" marT="9525" marB="0" anchor="ctr"/>
+                </a:tc>
+                <a:tc>
+                  <a:txBody>
+                    <a:bodyPr/>
+                    <a:lstStyle/>
+                    <a:p>
+                      <a:pPr algn="r" rtl="0" fontAlgn="ctr"/>
+                      <a:r>
+                        <a:rPr lang="en-US" altLang="ja-JP" sz="1100" b="0" i="0" u="none" strike="noStrike">
+                          <a:solidFill>
+                            <a:srgbClr val="000000"/>
+                          </a:solidFill>
+                          <a:effectLst/>
+                          <a:latin typeface="ＭＳ Ｐゴシック" panose="020B0600070205080204" pitchFamily="34" charset="-128"/>
+                          <a:ea typeface="ＭＳ Ｐゴシック" panose="020B0600070205080204" pitchFamily="34" charset="-128"/>
+                        </a:rPr>
+                        <a:t>21%</a:t>
+                      </a:r>
                     </a:p>
                   </a:txBody>
                   <a:tcPr marL="9525" marR="9525" marT="9525" marB="0" anchor="ctr"/>
                 </a:tc>
               </a:tr>
-              <a:tr h="154343">
+              <a:tr h="162798">
                 <a:tc>
                   <a:txBody>
                     <a:bodyPr/>
@@ -9316,21 +9517,18 @@
                     <a:bodyPr/>
                     <a:lstStyle/>
                     <a:p>
-                      <a:pPr algn="r" fontAlgn="ctr"/>
+                      <a:pPr algn="r" rtl="0" fontAlgn="ctr"/>
                       <a:r>
-                        <a:rPr lang="en-US" altLang="ja-JP" sz="1100" u="none" strike="noStrike">
+                        <a:rPr lang="en-US" altLang="ja-JP" sz="1100" b="0" i="0" u="none" strike="noStrike">
+                          <a:solidFill>
+                            <a:srgbClr val="000000"/>
+                          </a:solidFill>
                           <a:effectLst/>
+                          <a:latin typeface="Arial" panose="020B0604020202020204" pitchFamily="34" charset="0"/>
+                          <a:ea typeface="ＭＳ Ｐゴシック" panose="020B0600070205080204" pitchFamily="34" charset="-128"/>
                         </a:rPr>
-                        <a:t>29</a:t>
+                        <a:t>19</a:t>
                       </a:r>
-                      <a:endParaRPr lang="en-US" altLang="ja-JP" sz="1100" b="0" i="0" u="none" strike="noStrike">
-                        <a:solidFill>
-                          <a:srgbClr val="000000"/>
-                        </a:solidFill>
-                        <a:effectLst/>
-                        <a:latin typeface="ＭＳ Ｐゴシック" panose="020B0600070205080204" pitchFamily="50" charset="-128"/>
-                        <a:ea typeface="ＭＳ Ｐゴシック" panose="020B0600070205080204" pitchFamily="50" charset="-128"/>
-                      </a:endParaRPr>
                     </a:p>
                   </a:txBody>
                   <a:tcPr marL="9525" marR="9525" marT="9525" marB="0" anchor="ctr"/>
@@ -9340,21 +9538,18 @@
                     <a:bodyPr/>
                     <a:lstStyle/>
                     <a:p>
-                      <a:pPr algn="r" fontAlgn="ctr"/>
+                      <a:pPr algn="r" rtl="0" fontAlgn="ctr"/>
                       <a:r>
-                        <a:rPr lang="en-US" altLang="ja-JP" sz="1100" u="none" strike="noStrike">
+                        <a:rPr lang="en-US" altLang="ja-JP" sz="1100" b="0" i="0" u="none" strike="noStrike">
+                          <a:solidFill>
+                            <a:srgbClr val="000000"/>
+                          </a:solidFill>
                           <a:effectLst/>
+                          <a:latin typeface="Arial" panose="020B0604020202020204" pitchFamily="34" charset="0"/>
+                          <a:ea typeface="ＭＳ Ｐゴシック" panose="020B0600070205080204" pitchFamily="34" charset="-128"/>
                         </a:rPr>
                         <a:t>11</a:t>
                       </a:r>
-                      <a:endParaRPr lang="en-US" altLang="ja-JP" sz="1100" b="0" i="0" u="none" strike="noStrike">
-                        <a:solidFill>
-                          <a:srgbClr val="000000"/>
-                        </a:solidFill>
-                        <a:effectLst/>
-                        <a:latin typeface="ＭＳ Ｐゴシック" panose="020B0600070205080204" pitchFamily="50" charset="-128"/>
-                        <a:ea typeface="ＭＳ Ｐゴシック" panose="020B0600070205080204" pitchFamily="50" charset="-128"/>
-                      </a:endParaRPr>
                     </a:p>
                   </a:txBody>
                   <a:tcPr marL="9525" marR="9525" marT="9525" marB="0" anchor="ctr"/>
@@ -9364,27 +9559,45 @@
                     <a:bodyPr/>
                     <a:lstStyle/>
                     <a:p>
-                      <a:pPr algn="r" fontAlgn="ctr"/>
+                      <a:pPr algn="r" rtl="0" fontAlgn="ctr"/>
                       <a:r>
-                        <a:rPr lang="en-US" altLang="ja-JP" sz="1100" u="none" strike="noStrike">
+                        <a:rPr lang="en-US" altLang="ja-JP" sz="1100" b="0" i="0" u="none" strike="noStrike">
+                          <a:solidFill>
+                            <a:srgbClr val="000000"/>
+                          </a:solidFill>
                           <a:effectLst/>
+                          <a:latin typeface="Arial" panose="020B0604020202020204" pitchFamily="34" charset="0"/>
+                          <a:ea typeface="ＭＳ Ｐゴシック" panose="020B0600070205080204" pitchFamily="34" charset="-128"/>
                         </a:rPr>
-                        <a:t>40</a:t>
+                        <a:t>30</a:t>
                       </a:r>
-                      <a:endParaRPr lang="en-US" altLang="ja-JP" sz="1100" b="0" i="0" u="none" strike="noStrike">
-                        <a:solidFill>
-                          <a:srgbClr val="000000"/>
-                        </a:solidFill>
-                        <a:effectLst/>
-                        <a:latin typeface="ＭＳ Ｐゴシック" panose="020B0600070205080204" pitchFamily="50" charset="-128"/>
-                        <a:ea typeface="ＭＳ Ｐゴシック" panose="020B0600070205080204" pitchFamily="50" charset="-128"/>
-                      </a:endParaRPr>
+                    </a:p>
+                  </a:txBody>
+                  <a:tcPr marL="9525" marR="9525" marT="9525" marB="0" anchor="ctr"/>
+                </a:tc>
+                <a:tc>
+                  <a:txBody>
+                    <a:bodyPr/>
+                    <a:lstStyle/>
+                    <a:p>
+                      <a:pPr algn="r" rtl="0" fontAlgn="ctr"/>
+                      <a:r>
+                        <a:rPr lang="en-US" altLang="ja-JP" sz="1100" b="0" i="0" u="none" strike="noStrike">
+                          <a:solidFill>
+                            <a:srgbClr val="000000"/>
+                          </a:solidFill>
+                          <a:effectLst/>
+                          <a:latin typeface="ＭＳ Ｐゴシック" panose="020B0600070205080204" pitchFamily="34" charset="-128"/>
+                          <a:ea typeface="ＭＳ Ｐゴシック" panose="020B0600070205080204" pitchFamily="34" charset="-128"/>
+                        </a:rPr>
+                        <a:t>32%</a:t>
+                      </a:r>
                     </a:p>
                   </a:txBody>
                   <a:tcPr marL="9525" marR="9525" marT="9525" marB="0" anchor="ctr"/>
                 </a:tc>
               </a:tr>
-              <a:tr h="154343">
+              <a:tr h="260827">
                 <a:tc>
                   <a:txBody>
                     <a:bodyPr/>
@@ -9414,21 +9627,18 @@
                     <a:bodyPr/>
                     <a:lstStyle/>
                     <a:p>
-                      <a:pPr algn="r" fontAlgn="ctr"/>
+                      <a:pPr algn="r" rtl="0" fontAlgn="ctr"/>
                       <a:r>
-                        <a:rPr lang="en-US" altLang="ja-JP" sz="1100" u="none" strike="noStrike">
+                        <a:rPr lang="en-US" altLang="ja-JP" sz="1100" b="0" i="0" u="none" strike="noStrike">
+                          <a:solidFill>
+                            <a:srgbClr val="000000"/>
+                          </a:solidFill>
                           <a:effectLst/>
+                          <a:latin typeface="Arial" panose="020B0604020202020204" pitchFamily="34" charset="0"/>
+                          <a:ea typeface="ＭＳ Ｐゴシック" panose="020B0600070205080204" pitchFamily="34" charset="-128"/>
                         </a:rPr>
-                        <a:t>2</a:t>
+                        <a:t>1</a:t>
                       </a:r>
-                      <a:endParaRPr lang="en-US" altLang="ja-JP" sz="1100" b="0" i="0" u="none" strike="noStrike">
-                        <a:solidFill>
-                          <a:srgbClr val="000000"/>
-                        </a:solidFill>
-                        <a:effectLst/>
-                        <a:latin typeface="ＭＳ Ｐゴシック" panose="020B0600070205080204" pitchFamily="50" charset="-128"/>
-                        <a:ea typeface="ＭＳ Ｐゴシック" panose="020B0600070205080204" pitchFamily="50" charset="-128"/>
-                      </a:endParaRPr>
                     </a:p>
                   </a:txBody>
                   <a:tcPr marL="9525" marR="9525" marT="9525" marB="0" anchor="ctr"/>
@@ -9439,14 +9649,17 @@
                     <a:lstStyle/>
                     <a:p>
                       <a:pPr algn="l" fontAlgn="ctr"/>
-                      <a:endParaRPr lang="ja-JP" altLang="en-US" sz="1100" b="0" i="0" u="none" strike="noStrike">
-                        <a:solidFill>
-                          <a:srgbClr val="000000"/>
-                        </a:solidFill>
-                        <a:effectLst/>
-                        <a:latin typeface="ＭＳ Ｐゴシック" panose="020B0600070205080204" pitchFamily="50" charset="-128"/>
-                        <a:ea typeface="ＭＳ Ｐゴシック" panose="020B0600070205080204" pitchFamily="50" charset="-128"/>
-                      </a:endParaRPr>
+                      <a:r>
+                        <a:rPr lang="ja-JP" altLang="en-US" sz="1800" b="0" i="0" u="none" strike="noStrike">
+                          <a:solidFill>
+                            <a:srgbClr val="000000"/>
+                          </a:solidFill>
+                          <a:effectLst/>
+                          <a:latin typeface="Arial" panose="020B0604020202020204" pitchFamily="34" charset="0"/>
+                          <a:ea typeface="ＭＳ Ｐゴシック" panose="020B0600070205080204" pitchFamily="34" charset="-128"/>
+                        </a:rPr>
+                        <a:t>　</a:t>
+                      </a:r>
                     </a:p>
                   </a:txBody>
                   <a:tcPr marL="9525" marR="9525" marT="9525" marB="0" anchor="ctr"/>
@@ -9456,21 +9669,39 @@
                     <a:bodyPr/>
                     <a:lstStyle/>
                     <a:p>
-                      <a:pPr algn="r" fontAlgn="ctr"/>
+                      <a:pPr algn="r" rtl="0" fontAlgn="ctr"/>
                       <a:r>
-                        <a:rPr lang="en-US" altLang="ja-JP" sz="1100" u="none" strike="noStrike" dirty="0">
+                        <a:rPr lang="en-US" altLang="ja-JP" sz="1100" b="0" i="0" u="none" strike="noStrike">
+                          <a:solidFill>
+                            <a:srgbClr val="000000"/>
+                          </a:solidFill>
                           <a:effectLst/>
+                          <a:latin typeface="Arial" panose="020B0604020202020204" pitchFamily="34" charset="0"/>
+                          <a:ea typeface="ＭＳ Ｐゴシック" panose="020B0600070205080204" pitchFamily="34" charset="-128"/>
                         </a:rPr>
-                        <a:t>2</a:t>
+                        <a:t>1</a:t>
                       </a:r>
-                      <a:endParaRPr lang="en-US" altLang="ja-JP" sz="1100" b="0" i="0" u="none" strike="noStrike" dirty="0">
-                        <a:solidFill>
-                          <a:srgbClr val="000000"/>
-                        </a:solidFill>
-                        <a:effectLst/>
-                        <a:latin typeface="ＭＳ Ｐゴシック" panose="020B0600070205080204" pitchFamily="50" charset="-128"/>
-                        <a:ea typeface="ＭＳ Ｐゴシック" panose="020B0600070205080204" pitchFamily="50" charset="-128"/>
-                      </a:endParaRPr>
+                    </a:p>
+                  </a:txBody>
+                  <a:tcPr marL="9525" marR="9525" marT="9525" marB="0" anchor="ctr"/>
+                </a:tc>
+                <a:tc>
+                  <a:txBody>
+                    <a:bodyPr/>
+                    <a:lstStyle/>
+                    <a:p>
+                      <a:pPr algn="r" rtl="0" fontAlgn="ctr"/>
+                      <a:r>
+                        <a:rPr lang="en-US" altLang="ja-JP" sz="1100" b="0" i="0" u="none" strike="noStrike" dirty="0">
+                          <a:solidFill>
+                            <a:srgbClr val="000000"/>
+                          </a:solidFill>
+                          <a:effectLst/>
+                          <a:latin typeface="ＭＳ Ｐゴシック" panose="020B0600070205080204" pitchFamily="34" charset="-128"/>
+                          <a:ea typeface="ＭＳ Ｐゴシック" panose="020B0600070205080204" pitchFamily="34" charset="-128"/>
+                        </a:rPr>
+                        <a:t>1%</a:t>
+                      </a:r>
                     </a:p>
                   </a:txBody>
                   <a:tcPr marL="9525" marR="9525" marT="9525" marB="0" anchor="ctr"/>
@@ -9480,29 +9711,6 @@
           </a:graphicData>
         </a:graphic>
       </p:graphicFrame>
-      <p:pic>
-        <p:nvPicPr>
-          <p:cNvPr id="9" name="図 8"/>
-          <p:cNvPicPr>
-            <a:picLocks noChangeAspect="1"/>
-          </p:cNvPicPr>
-          <p:nvPr/>
-        </p:nvPicPr>
-        <p:blipFill rotWithShape="1">
-          <a:blip r:embed="rId2"/>
-          <a:srcRect l="25316" t="35993" r="41946" b="28318"/>
-          <a:stretch/>
-        </p:blipFill>
-        <p:spPr>
-          <a:xfrm>
-            <a:off x="4953000" y="1700808"/>
-            <a:ext cx="3990975" cy="3371850"/>
-          </a:xfrm>
-          <a:prstGeom prst="rect">
-            <a:avLst/>
-          </a:prstGeom>
-        </p:spPr>
-      </p:pic>
       <p:graphicFrame>
         <p:nvGraphicFramePr>
           <p:cNvPr id="3" name="表 2"/>
@@ -9512,13 +9720,13 @@
           <p:nvPr>
             <p:extLst>
               <p:ext uri="{D42A27DB-BD31-4B8C-83A1-F6EECF244321}">
-                <p14:modId xmlns:p14="http://schemas.microsoft.com/office/powerpoint/2010/main" val="3129015938"/>
+                <p14:modId xmlns:p14="http://schemas.microsoft.com/office/powerpoint/2010/main" val="2416160646"/>
               </p:ext>
             </p:extLst>
           </p:nvPr>
         </p:nvGraphicFramePr>
         <p:xfrm>
-          <a:off x="776536" y="3386886"/>
+          <a:off x="776536" y="3753036"/>
           <a:ext cx="1968500" cy="531495"/>
         </p:xfrm>
         <a:graphic>
@@ -9621,12 +9829,12 @@
                     <a:p>
                       <a:pPr algn="r" fontAlgn="ctr"/>
                       <a:r>
-                        <a:rPr lang="en-US" altLang="ja-JP" sz="1100" u="none" strike="noStrike">
+                        <a:rPr lang="en-US" altLang="ja-JP" sz="1100" u="none" strike="noStrike" dirty="0" smtClean="0">
                           <a:effectLst/>
                         </a:rPr>
-                        <a:t>12</a:t>
+                        <a:t>14</a:t>
                       </a:r>
-                      <a:endParaRPr lang="en-US" altLang="ja-JP" sz="1100" b="0" i="0" u="none" strike="noStrike">
+                      <a:endParaRPr lang="en-US" altLang="ja-JP" sz="1100" b="0" i="0" u="none" strike="noStrike" dirty="0">
                         <a:solidFill>
                           <a:srgbClr val="000000"/>
                         </a:solidFill>
@@ -9706,7 +9914,7 @@
         <p:spPr>
           <a:xfrm>
             <a:off x="776536" y="5301208"/>
-            <a:ext cx="7848872" cy="584775"/>
+            <a:ext cx="7848872" cy="830997"/>
           </a:xfrm>
           <a:prstGeom prst="rect">
             <a:avLst/>
@@ -9741,7 +9949,7 @@
                 <a:ea typeface="ＭＳ Ｐゴシック" panose="020B0600070205080204" pitchFamily="50" charset="-128"/>
                 <a:cs typeface="Arial" panose="020B0604020202020204" pitchFamily="34" charset="0"/>
               </a:rPr>
-              <a:t>以下の比率が高くなり、中間層の</a:t>
+              <a:t>以下の比率が半分以上となるが、中間層の</a:t>
             </a:r>
             <a:r>
               <a:rPr kumimoji="1" lang="en-US" altLang="ja-JP" sz="1600" dirty="0" smtClean="0">
@@ -9757,7 +9965,70 @@
                 <a:ea typeface="ＭＳ Ｐゴシック" panose="020B0600070205080204" pitchFamily="50" charset="-128"/>
                 <a:cs typeface="Arial" panose="020B0604020202020204" pitchFamily="34" charset="0"/>
               </a:rPr>
-              <a:t>メンバーは不足しています。そして、社員比率は</a:t>
+              <a:t>メンバーは不足しています。</a:t>
+            </a:r>
+            <a:r>
+              <a:rPr kumimoji="1" lang="en-US" altLang="ja-JP" sz="1600" dirty="0" smtClean="0">
+                <a:latin typeface="Arial" panose="020B0604020202020204" pitchFamily="34" charset="0"/>
+                <a:ea typeface="ＭＳ Ｐゴシック" panose="020B0600070205080204" pitchFamily="50" charset="-128"/>
+                <a:cs typeface="Arial" panose="020B0604020202020204" pitchFamily="34" charset="0"/>
+              </a:rPr>
+              <a:t>L4</a:t>
+            </a:r>
+            <a:r>
+              <a:rPr kumimoji="1" lang="ja-JP" altLang="en-US" sz="1600" dirty="0" smtClean="0">
+                <a:latin typeface="Arial" panose="020B0604020202020204" pitchFamily="34" charset="0"/>
+                <a:ea typeface="ＭＳ Ｐゴシック" panose="020B0600070205080204" pitchFamily="50" charset="-128"/>
+                <a:cs typeface="Arial" panose="020B0604020202020204" pitchFamily="34" charset="0"/>
+              </a:rPr>
+              <a:t>の人数から見ると、さらに</a:t>
+            </a:r>
+            <a:r>
+              <a:rPr kumimoji="1" lang="en-US" altLang="ja-JP" sz="1600" dirty="0" smtClean="0">
+                <a:latin typeface="Arial" panose="020B0604020202020204" pitchFamily="34" charset="0"/>
+                <a:ea typeface="ＭＳ Ｐゴシック" panose="020B0600070205080204" pitchFamily="50" charset="-128"/>
+                <a:cs typeface="Arial" panose="020B0604020202020204" pitchFamily="34" charset="0"/>
+              </a:rPr>
+              <a:t>L1</a:t>
+            </a:r>
+            <a:r>
+              <a:rPr lang="ja-JP" altLang="en-US" sz="1600" dirty="0" smtClean="0">
+                <a:latin typeface="Arial" panose="020B0604020202020204" pitchFamily="34" charset="0"/>
+                <a:ea typeface="ＭＳ Ｐゴシック" panose="020B0600070205080204" pitchFamily="50" charset="-128"/>
+                <a:cs typeface="Arial" panose="020B0604020202020204" pitchFamily="34" charset="0"/>
+              </a:rPr>
+              <a:t>～</a:t>
+            </a:r>
+            <a:r>
+              <a:rPr lang="en-US" altLang="ja-JP" sz="1600" dirty="0" smtClean="0">
+                <a:latin typeface="Arial" panose="020B0604020202020204" pitchFamily="34" charset="0"/>
+                <a:ea typeface="ＭＳ Ｐゴシック" panose="020B0600070205080204" pitchFamily="50" charset="-128"/>
+                <a:cs typeface="Arial" panose="020B0604020202020204" pitchFamily="34" charset="0"/>
+              </a:rPr>
+              <a:t>L3</a:t>
+            </a:r>
+            <a:r>
+              <a:rPr lang="ja-JP" altLang="en-US" sz="1600" dirty="0" smtClean="0">
+                <a:latin typeface="Arial" panose="020B0604020202020204" pitchFamily="34" charset="0"/>
+                <a:ea typeface="ＭＳ Ｐゴシック" panose="020B0600070205080204" pitchFamily="50" charset="-128"/>
+                <a:cs typeface="Arial" panose="020B0604020202020204" pitchFamily="34" charset="0"/>
+              </a:rPr>
+              <a:t>のメンバーを増加することは可能と思う。</a:t>
+            </a:r>
+            <a:endParaRPr kumimoji="1" lang="en-US" altLang="ja-JP" sz="1600" dirty="0" smtClean="0">
+              <a:latin typeface="Arial" panose="020B0604020202020204" pitchFamily="34" charset="0"/>
+              <a:ea typeface="ＭＳ Ｐゴシック" panose="020B0600070205080204" pitchFamily="50" charset="-128"/>
+              <a:cs typeface="Arial" panose="020B0604020202020204" pitchFamily="34" charset="0"/>
+            </a:endParaRPr>
+          </a:p>
+          <a:p>
+            <a:r>
+              <a:rPr kumimoji="1" lang="ja-JP" altLang="en-US" sz="1600" dirty="0" smtClean="0">
+                <a:latin typeface="Arial" panose="020B0604020202020204" pitchFamily="34" charset="0"/>
+                <a:ea typeface="ＭＳ Ｐゴシック" panose="020B0600070205080204" pitchFamily="50" charset="-128"/>
+                <a:cs typeface="Arial" panose="020B0604020202020204" pitchFamily="34" charset="0"/>
+              </a:rPr>
+              <a:t>そして、社員比率は</a:t>
             </a:r>
             <a:r>
               <a:rPr kumimoji="1" lang="en-US" altLang="ja-JP" sz="1600" dirty="0" smtClean="0">
@@ -9775,14 +10046,32 @@
               </a:rPr>
               <a:t>割程度で、稼働率は高いほうです。</a:t>
             </a:r>
-            <a:endParaRPr kumimoji="1" lang="ja-JP" altLang="en-US" sz="1600" dirty="0" smtClean="0">
-              <a:latin typeface="Arial" panose="020B0604020202020204" pitchFamily="34" charset="0"/>
-              <a:ea typeface="ＭＳ Ｐゴシック" panose="020B0600070205080204" pitchFamily="50" charset="-128"/>
-              <a:cs typeface="Arial" panose="020B0604020202020204" pitchFamily="34" charset="0"/>
-            </a:endParaRPr>
           </a:p>
         </p:txBody>
       </p:sp>
+      <p:pic>
+        <p:nvPicPr>
+          <p:cNvPr id="7" name="図 6"/>
+          <p:cNvPicPr>
+            <a:picLocks noChangeAspect="1"/>
+          </p:cNvPicPr>
+          <p:nvPr/>
+        </p:nvPicPr>
+        <p:blipFill rotWithShape="1">
+          <a:blip r:embed="rId2"/>
+          <a:srcRect l="7686" t="21651" r="54883" b="47899"/>
+          <a:stretch/>
+        </p:blipFill>
+        <p:spPr>
+          <a:xfrm>
+            <a:off x="4351549" y="1930551"/>
+            <a:ext cx="3312368" cy="2088232"/>
+          </a:xfrm>
+          <a:prstGeom prst="rect">
+            <a:avLst/>
+          </a:prstGeom>
+        </p:spPr>
+      </p:pic>
     </p:spTree>
     <p:extLst>
       <p:ext uri="{BB962C8B-B14F-4D97-AF65-F5344CB8AC3E}">
@@ -11557,14 +11846,6 @@
                         </a:rPr>
                         <a:t>△</a:t>
                       </a:r>
-                      <a:endParaRPr kumimoji="1" lang="ja-JP" altLang="en-US" sz="1200" dirty="0" smtClean="0">
-                        <a:solidFill>
-                          <a:schemeClr val="tx1"/>
-                        </a:solidFill>
-                        <a:latin typeface="Meiryo UI" pitchFamily="50" charset="-128"/>
-                        <a:ea typeface="Meiryo UI" pitchFamily="50" charset="-128"/>
-                        <a:cs typeface="Meiryo UI" pitchFamily="50" charset="-128"/>
-                      </a:endParaRPr>
                     </a:p>
                   </a:txBody>
                   <a:tcPr anchor="ctr">
@@ -12348,14 +12629,6 @@
                         </a:rPr>
                         <a:t>△</a:t>
                       </a:r>
-                      <a:endParaRPr kumimoji="1" lang="ja-JP" altLang="en-US" sz="1200" dirty="0" smtClean="0">
-                        <a:solidFill>
-                          <a:schemeClr val="tx1"/>
-                        </a:solidFill>
-                        <a:latin typeface="Meiryo UI" pitchFamily="50" charset="-128"/>
-                        <a:ea typeface="Meiryo UI" pitchFamily="50" charset="-128"/>
-                        <a:cs typeface="Meiryo UI" pitchFamily="50" charset="-128"/>
-                      </a:endParaRPr>
                     </a:p>
                   </a:txBody>
                   <a:tcPr anchor="ctr">
@@ -12415,14 +12688,6 @@
                         </a:rPr>
                         <a:t>-</a:t>
                       </a:r>
-                      <a:endParaRPr kumimoji="1" lang="en-US" altLang="ja-JP" sz="1200" dirty="0" smtClean="0">
-                        <a:solidFill>
-                          <a:schemeClr val="tx1"/>
-                        </a:solidFill>
-                        <a:latin typeface="Meiryo UI" pitchFamily="50" charset="-128"/>
-                        <a:ea typeface="Meiryo UI" pitchFamily="50" charset="-128"/>
-                        <a:cs typeface="Meiryo UI" pitchFamily="50" charset="-128"/>
-                      </a:endParaRPr>
                     </a:p>
                   </a:txBody>
                   <a:tcPr anchor="ctr">
@@ -12664,14 +12929,6 @@
                         </a:rPr>
                         <a:t>△</a:t>
                       </a:r>
-                      <a:endParaRPr kumimoji="1" lang="ja-JP" altLang="en-US" sz="1200" dirty="0" smtClean="0">
-                        <a:solidFill>
-                          <a:schemeClr val="tx1"/>
-                        </a:solidFill>
-                        <a:latin typeface="Meiryo UI" pitchFamily="50" charset="-128"/>
-                        <a:ea typeface="Meiryo UI" pitchFamily="50" charset="-128"/>
-                        <a:cs typeface="Meiryo UI" pitchFamily="50" charset="-128"/>
-                      </a:endParaRPr>
                     </a:p>
                   </a:txBody>
                   <a:tcPr anchor="ctr">
@@ -12747,14 +13004,6 @@
                         </a:rPr>
                         <a:t>△</a:t>
                       </a:r>
-                      <a:endParaRPr kumimoji="1" lang="ja-JP" altLang="en-US" sz="1200" dirty="0" smtClean="0">
-                        <a:solidFill>
-                          <a:schemeClr val="tx1"/>
-                        </a:solidFill>
-                        <a:latin typeface="Meiryo UI" pitchFamily="50" charset="-128"/>
-                        <a:ea typeface="Meiryo UI" pitchFamily="50" charset="-128"/>
-                        <a:cs typeface="Meiryo UI" pitchFamily="50" charset="-128"/>
-                      </a:endParaRPr>
                     </a:p>
                   </a:txBody>
                   <a:tcPr anchor="ctr">
@@ -13052,14 +13301,6 @@
                         </a:rPr>
                         <a:t>△</a:t>
                       </a:r>
-                      <a:endParaRPr kumimoji="1" lang="ja-JP" altLang="en-US" sz="1200" dirty="0" smtClean="0">
-                        <a:solidFill>
-                          <a:schemeClr val="tx1"/>
-                        </a:solidFill>
-                        <a:latin typeface="Meiryo UI" pitchFamily="50" charset="-128"/>
-                        <a:ea typeface="Meiryo UI" pitchFamily="50" charset="-128"/>
-                        <a:cs typeface="Meiryo UI" pitchFamily="50" charset="-128"/>
-                      </a:endParaRPr>
                     </a:p>
                   </a:txBody>
                   <a:tcPr anchor="ctr">
@@ -13135,14 +13376,6 @@
                         </a:rPr>
                         <a:t>○</a:t>
                       </a:r>
-                      <a:endParaRPr kumimoji="1" lang="ja-JP" altLang="en-US" sz="1200" dirty="0" smtClean="0">
-                        <a:solidFill>
-                          <a:schemeClr val="tx1"/>
-                        </a:solidFill>
-                        <a:latin typeface="Meiryo UI" pitchFamily="50" charset="-128"/>
-                        <a:ea typeface="Meiryo UI" pitchFamily="50" charset="-128"/>
-                        <a:cs typeface="Meiryo UI" pitchFamily="50" charset="-128"/>
-                      </a:endParaRPr>
                     </a:p>
                   </a:txBody>
                   <a:tcPr anchor="ctr">
@@ -13451,14 +13684,6 @@
                         </a:rPr>
                         <a:t>△</a:t>
                       </a:r>
-                      <a:endParaRPr kumimoji="1" lang="ja-JP" altLang="en-US" sz="1200" dirty="0" smtClean="0">
-                        <a:solidFill>
-                          <a:schemeClr val="tx1"/>
-                        </a:solidFill>
-                        <a:latin typeface="Meiryo UI" pitchFamily="50" charset="-128"/>
-                        <a:ea typeface="Meiryo UI" pitchFamily="50" charset="-128"/>
-                        <a:cs typeface="Meiryo UI" pitchFamily="50" charset="-128"/>
-                      </a:endParaRPr>
                     </a:p>
                   </a:txBody>
                   <a:tcPr anchor="ctr">
@@ -13534,14 +13759,6 @@
                         </a:rPr>
                         <a:t>△</a:t>
                       </a:r>
-                      <a:endParaRPr kumimoji="1" lang="ja-JP" altLang="en-US" sz="1200" dirty="0" smtClean="0">
-                        <a:solidFill>
-                          <a:schemeClr val="tx1"/>
-                        </a:solidFill>
-                        <a:latin typeface="Meiryo UI" pitchFamily="50" charset="-128"/>
-                        <a:ea typeface="Meiryo UI" pitchFamily="50" charset="-128"/>
-                        <a:cs typeface="Meiryo UI" pitchFamily="50" charset="-128"/>
-                      </a:endParaRPr>
                     </a:p>
                   </a:txBody>
                   <a:tcPr anchor="ctr">
@@ -13849,7 +14066,47 @@
                 <a:ea typeface="Meiryo UI" panose="020B0604030504040204" pitchFamily="50" charset="-128"/>
                 <a:cs typeface="Meiryo UI" panose="020B0604030504040204" pitchFamily="50" charset="-128"/>
               </a:rPr>
-              <a:t>工程の支援を行います。そして、外部連結テストのほうは打鍵支援程度になります。</a:t>
+              <a:t>工程の支援を行います。そして、外部連結テストのほうは打鍵支援程度になります。そして、</a:t>
+            </a:r>
+            <a:r>
+              <a:rPr kumimoji="0" lang="en-US" altLang="ja-JP" sz="1400" kern="0" dirty="0" smtClean="0">
+                <a:latin typeface="Meiryo UI" panose="020B0604030504040204" pitchFamily="50" charset="-128"/>
+                <a:ea typeface="Meiryo UI" panose="020B0604030504040204" pitchFamily="50" charset="-128"/>
+                <a:cs typeface="Meiryo UI" panose="020B0604030504040204" pitchFamily="50" charset="-128"/>
+              </a:rPr>
+              <a:t>UC</a:t>
+            </a:r>
+            <a:r>
+              <a:rPr kumimoji="0" lang="ja-JP" altLang="en-US" sz="1400" kern="0" dirty="0" smtClean="0">
+                <a:latin typeface="Meiryo UI" panose="020B0604030504040204" pitchFamily="50" charset="-128"/>
+                <a:ea typeface="Meiryo UI" panose="020B0604030504040204" pitchFamily="50" charset="-128"/>
+                <a:cs typeface="Meiryo UI" panose="020B0604030504040204" pitchFamily="50" charset="-128"/>
+              </a:rPr>
+              <a:t>を参画する</a:t>
+            </a:r>
+            <a:r>
+              <a:rPr kumimoji="0" lang="en-US" altLang="ja-JP" sz="1400" kern="0" dirty="0" smtClean="0">
+                <a:latin typeface="Meiryo UI" panose="020B0604030504040204" pitchFamily="50" charset="-128"/>
+                <a:ea typeface="Meiryo UI" panose="020B0604030504040204" pitchFamily="50" charset="-128"/>
+                <a:cs typeface="Meiryo UI" panose="020B0604030504040204" pitchFamily="50" charset="-128"/>
+              </a:rPr>
+              <a:t>PJ</a:t>
+            </a:r>
+            <a:r>
+              <a:rPr kumimoji="0" lang="ja-JP" altLang="en-US" sz="1400" kern="0" dirty="0" smtClean="0">
+                <a:latin typeface="Meiryo UI" panose="020B0604030504040204" pitchFamily="50" charset="-128"/>
+                <a:ea typeface="Meiryo UI" panose="020B0604030504040204" pitchFamily="50" charset="-128"/>
+                <a:cs typeface="Meiryo UI" panose="020B0604030504040204" pitchFamily="50" charset="-128"/>
+              </a:rPr>
+              <a:t>は全部保守のプロジェクト</a:t>
+            </a:r>
+            <a:r>
+              <a:rPr kumimoji="0" lang="ja-JP" altLang="en-US" sz="1400" kern="0" smtClean="0">
+                <a:latin typeface="Meiryo UI" panose="020B0604030504040204" pitchFamily="50" charset="-128"/>
+                <a:ea typeface="Meiryo UI" panose="020B0604030504040204" pitchFamily="50" charset="-128"/>
+                <a:cs typeface="Meiryo UI" panose="020B0604030504040204" pitchFamily="50" charset="-128"/>
+              </a:rPr>
+              <a:t>で、既存外部設計の修正作業は多いです。</a:t>
             </a:r>
             <a:endParaRPr kumimoji="0" lang="en-US" altLang="ja-JP" sz="1400" kern="0" dirty="0" smtClean="0">
               <a:latin typeface="Meiryo UI" panose="020B0604030504040204" pitchFamily="50" charset="-128"/>
@@ -14394,14 +14651,6 @@
                         </a:rPr>
                         <a:t>Java</a:t>
                       </a:r>
-                      <a:endParaRPr lang="en-US" altLang="ja-JP" sz="1200" dirty="0" smtClean="0">
-                        <a:solidFill>
-                          <a:schemeClr val="tx1"/>
-                        </a:solidFill>
-                        <a:latin typeface="Meiryo UI" pitchFamily="50" charset="-128"/>
-                        <a:ea typeface="Meiryo UI" pitchFamily="50" charset="-128"/>
-                        <a:cs typeface="Meiryo UI" pitchFamily="50" charset="-128"/>
-                      </a:endParaRPr>
                     </a:p>
                   </a:txBody>
                   <a:tcPr anchor="ctr">
@@ -14461,14 +14710,6 @@
                         </a:rPr>
                         <a:t>o3w</a:t>
                       </a:r>
-                      <a:endParaRPr lang="en-US" altLang="ja-JP" sz="1200" dirty="0" smtClean="0">
-                        <a:solidFill>
-                          <a:schemeClr val="tx1"/>
-                        </a:solidFill>
-                        <a:latin typeface="Meiryo UI" pitchFamily="50" charset="-128"/>
-                        <a:ea typeface="Meiryo UI" pitchFamily="50" charset="-128"/>
-                        <a:cs typeface="Meiryo UI" pitchFamily="50" charset="-128"/>
-                      </a:endParaRPr>
                     </a:p>
                   </a:txBody>
                   <a:tcPr anchor="ctr">
@@ -15013,14 +15254,6 @@
                         </a:rPr>
                         <a:t>Java</a:t>
                       </a:r>
-                      <a:endParaRPr kumimoji="1" lang="en-US" altLang="ja-JP" sz="1200" dirty="0" smtClean="0">
-                        <a:solidFill>
-                          <a:schemeClr val="tx1"/>
-                        </a:solidFill>
-                        <a:latin typeface="Meiryo UI" pitchFamily="50" charset="-128"/>
-                        <a:ea typeface="Meiryo UI" pitchFamily="50" charset="-128"/>
-                        <a:cs typeface="Meiryo UI" pitchFamily="50" charset="-128"/>
-                      </a:endParaRPr>
                     </a:p>
                   </a:txBody>
                   <a:tcPr anchor="ctr">
@@ -15096,14 +15329,6 @@
                         </a:rPr>
                         <a:t>o3w</a:t>
                       </a:r>
-                      <a:endParaRPr kumimoji="1" lang="en-US" altLang="ja-JP" sz="1200" dirty="0" smtClean="0">
-                        <a:solidFill>
-                          <a:schemeClr val="tx1"/>
-                        </a:solidFill>
-                        <a:latin typeface="Meiryo UI" pitchFamily="50" charset="-128"/>
-                        <a:ea typeface="Meiryo UI" pitchFamily="50" charset="-128"/>
-                        <a:cs typeface="Meiryo UI" pitchFamily="50" charset="-128"/>
-                      </a:endParaRPr>
                     </a:p>
                   </a:txBody>
                   <a:tcPr anchor="ctr">
@@ -15179,14 +15404,6 @@
                         </a:rPr>
                         <a:t>Oracle</a:t>
                       </a:r>
-                      <a:endParaRPr kumimoji="1" lang="en-US" altLang="ja-JP" sz="1200" dirty="0" smtClean="0">
-                        <a:solidFill>
-                          <a:schemeClr val="tx1"/>
-                        </a:solidFill>
-                        <a:latin typeface="Meiryo UI" pitchFamily="50" charset="-128"/>
-                        <a:ea typeface="Meiryo UI" pitchFamily="50" charset="-128"/>
-                        <a:cs typeface="Meiryo UI" pitchFamily="50" charset="-128"/>
-                      </a:endParaRPr>
                     </a:p>
                   </a:txBody>
                   <a:tcPr anchor="ctr">
@@ -15651,14 +15868,6 @@
                         </a:rPr>
                         <a:t>Oracle</a:t>
                       </a:r>
-                      <a:endParaRPr kumimoji="1" lang="en-US" altLang="ja-JP" sz="1200" dirty="0" smtClean="0">
-                        <a:solidFill>
-                          <a:schemeClr val="tx1"/>
-                        </a:solidFill>
-                        <a:latin typeface="Meiryo UI" pitchFamily="50" charset="-128"/>
-                        <a:ea typeface="Meiryo UI" pitchFamily="50" charset="-128"/>
-                        <a:cs typeface="Meiryo UI" pitchFamily="50" charset="-128"/>
-                      </a:endParaRPr>
                     </a:p>
                   </a:txBody>
                   <a:tcPr anchor="ctr">
@@ -16134,14 +16343,6 @@
                         </a:rPr>
                         <a:t>Oracle</a:t>
                       </a:r>
-                      <a:endParaRPr kumimoji="1" lang="en-US" altLang="ja-JP" sz="1200" dirty="0" smtClean="0">
-                        <a:solidFill>
-                          <a:schemeClr val="tx1"/>
-                        </a:solidFill>
-                        <a:latin typeface="Meiryo UI" pitchFamily="50" charset="-128"/>
-                        <a:ea typeface="Meiryo UI" pitchFamily="50" charset="-128"/>
-                        <a:cs typeface="Meiryo UI" pitchFamily="50" charset="-128"/>
-                      </a:endParaRPr>
                     </a:p>
                   </a:txBody>
                   <a:tcPr anchor="ctr">
@@ -16648,14 +16849,14 @@
           <p:nvPr>
             <p:extLst>
               <p:ext uri="{D42A27DB-BD31-4B8C-83A1-F6EECF244321}">
-                <p14:modId xmlns:p14="http://schemas.microsoft.com/office/powerpoint/2010/main" val="506825499"/>
+                <p14:modId xmlns:p14="http://schemas.microsoft.com/office/powerpoint/2010/main" val="3221645094"/>
               </p:ext>
             </p:extLst>
           </p:nvPr>
         </p:nvGraphicFramePr>
         <p:xfrm>
           <a:off x="293417" y="1079737"/>
-          <a:ext cx="9268095" cy="3646876"/>
+          <a:ext cx="9268095" cy="3286696"/>
         </p:xfrm>
         <a:graphic>
           <a:graphicData uri="http://schemas.openxmlformats.org/drawingml/2006/table">
@@ -16664,10 +16865,10 @@
                 <a:tableStyleId>{5C22544A-7EE6-4342-B048-85BDC9FD1C3A}</a:tableStyleId>
               </a:tblPr>
               <a:tblGrid>
-                <a:gridCol w="2518898"/>
-                <a:gridCol w="6749197"/>
+                <a:gridCol w="483119"/>
+                <a:gridCol w="8784976"/>
               </a:tblGrid>
-              <a:tr h="619602">
+              <a:tr h="258993">
                 <a:tc>
                   <a:txBody>
                     <a:bodyPr/>
@@ -16684,13 +16885,6 @@
                         </a:rPr>
                         <a:t>No</a:t>
                       </a:r>
-                      <a:endParaRPr kumimoji="1" lang="en-US" altLang="ja-JP" sz="1800" b="1" dirty="0" smtClean="0">
-                        <a:solidFill>
-                          <a:schemeClr val="tx1"/>
-                        </a:solidFill>
-                        <a:latin typeface="+mj-ea"/>
-                        <a:ea typeface="+mj-ea"/>
-                      </a:endParaRPr>
                     </a:p>
                   </a:txBody>
                   <a:tcPr anchor="ctr">
@@ -16803,21 +16997,24 @@
                   </a:tcPr>
                 </a:tc>
               </a:tr>
-              <a:tr h="865565">
+              <a:tr h="410073">
                 <a:tc>
                   <a:txBody>
                     <a:bodyPr/>
                     <a:lstStyle/>
                     <a:p>
                       <a:pPr algn="ctr"/>
-                      <a:endParaRPr kumimoji="1" lang="ja-JP" altLang="en-US" sz="1600" dirty="0" smtClean="0">
-                        <a:solidFill>
-                          <a:schemeClr val="tx1"/>
-                        </a:solidFill>
-                        <a:latin typeface="+mn-ea"/>
-                        <a:ea typeface="+mn-ea"/>
-                        <a:cs typeface="Meiryo UI" pitchFamily="50" charset="-128"/>
-                      </a:endParaRPr>
+                      <a:r>
+                        <a:rPr kumimoji="1" lang="ja-JP" altLang="en-US" sz="1600" dirty="0" smtClean="0">
+                          <a:solidFill>
+                            <a:schemeClr val="tx1"/>
+                          </a:solidFill>
+                          <a:latin typeface="+mn-ea"/>
+                          <a:ea typeface="+mn-ea"/>
+                          <a:cs typeface="Meiryo UI" pitchFamily="50" charset="-128"/>
+                        </a:rPr>
+                        <a:t>１、</a:t>
+                      </a:r>
                     </a:p>
                   </a:txBody>
                   <a:tcPr>
@@ -16866,14 +17063,17 @@
                     <a:lstStyle/>
                     <a:p>
                       <a:pPr marL="0" algn="l" defTabSz="914400" rtl="0" eaLnBrk="1" latinLnBrk="0" hangingPunct="1"/>
-                      <a:endParaRPr kumimoji="1" lang="ja-JP" altLang="en-US" sz="1600" strike="noStrike" baseline="0" dirty="0" smtClean="0">
-                        <a:solidFill>
-                          <a:schemeClr val="tx1"/>
-                        </a:solidFill>
-                        <a:latin typeface="+mn-ea"/>
-                        <a:ea typeface="+mn-ea"/>
-                        <a:cs typeface="Meiryo UI" pitchFamily="50" charset="-128"/>
-                      </a:endParaRPr>
+                      <a:r>
+                        <a:rPr kumimoji="1" lang="ja-JP" altLang="en-US" sz="1600" strike="noStrike" baseline="0" dirty="0" smtClean="0">
+                          <a:solidFill>
+                            <a:schemeClr val="tx1"/>
+                          </a:solidFill>
+                          <a:latin typeface="+mn-ea"/>
+                          <a:ea typeface="+mn-ea"/>
+                          <a:cs typeface="Meiryo UI" pitchFamily="50" charset="-128"/>
+                        </a:rPr>
+                        <a:t>長い間、保守作業を担当しているが、モチベーションはだんだん下がっている。そして、スキルの老朽化により、新たなスキルの勉強やチャレンジの意欲も下がっている。</a:t>
+                      </a:r>
                     </a:p>
                   </a:txBody>
                   <a:tcPr>
@@ -16917,21 +17117,24 @@
                   </a:tcPr>
                 </a:tc>
               </a:tr>
-              <a:tr h="2161709">
+              <a:tr h="586530">
                 <a:tc>
                   <a:txBody>
                     <a:bodyPr/>
                     <a:lstStyle/>
                     <a:p>
                       <a:pPr algn="ctr"/>
-                      <a:endParaRPr kumimoji="1" lang="ja-JP" altLang="en-US" sz="1600" dirty="0" smtClean="0">
-                        <a:solidFill>
-                          <a:schemeClr val="tx1"/>
-                        </a:solidFill>
-                        <a:latin typeface="+mn-ea"/>
-                        <a:ea typeface="+mn-ea"/>
-                        <a:cs typeface="Meiryo UI" pitchFamily="50" charset="-128"/>
-                      </a:endParaRPr>
+                      <a:r>
+                        <a:rPr kumimoji="1" lang="ja-JP" altLang="en-US" sz="1600" dirty="0" smtClean="0">
+                          <a:solidFill>
+                            <a:schemeClr val="tx1"/>
+                          </a:solidFill>
+                          <a:latin typeface="+mn-ea"/>
+                          <a:ea typeface="+mn-ea"/>
+                          <a:cs typeface="Meiryo UI" pitchFamily="50" charset="-128"/>
+                        </a:rPr>
+                        <a:t>２、</a:t>
+                      </a:r>
                     </a:p>
                   </a:txBody>
                   <a:tcPr>
@@ -16980,14 +17183,279 @@
                     <a:lstStyle/>
                     <a:p>
                       <a:pPr marL="0" algn="l" defTabSz="914400" rtl="0" eaLnBrk="1" latinLnBrk="0" hangingPunct="1"/>
-                      <a:endParaRPr kumimoji="1" lang="ja-JP" altLang="en-US" sz="1600" strike="noStrike" baseline="0" dirty="0" smtClean="0">
-                        <a:solidFill>
-                          <a:schemeClr val="tx1"/>
-                        </a:solidFill>
-                        <a:latin typeface="+mn-ea"/>
-                        <a:ea typeface="+mn-ea"/>
-                        <a:cs typeface="Meiryo UI" pitchFamily="50" charset="-128"/>
-                      </a:endParaRPr>
+                      <a:r>
+                        <a:rPr kumimoji="1" lang="ja-JP" altLang="en-US" sz="1600" strike="noStrike" baseline="0" dirty="0" smtClean="0">
+                          <a:solidFill>
+                            <a:schemeClr val="tx1"/>
+                          </a:solidFill>
+                          <a:latin typeface="+mn-ea"/>
+                          <a:ea typeface="+mn-ea"/>
+                          <a:cs typeface="Meiryo UI" pitchFamily="50" charset="-128"/>
+                        </a:rPr>
+                        <a:t>保守作業は長い期間で担当していたのに、今まで発生した障害やノウハウの蓄積はまだ不足で、生産性や品質をさらに向上することは困難。</a:t>
+                      </a:r>
+                    </a:p>
+                  </a:txBody>
+                  <a:tcPr>
+                    <a:lnL w="12700" cap="flat" cmpd="sng" algn="ctr">
+                      <a:solidFill>
+                        <a:schemeClr val="tx1"/>
+                      </a:solidFill>
+                      <a:prstDash val="solid"/>
+                      <a:round/>
+                      <a:headEnd type="none" w="med" len="med"/>
+                      <a:tailEnd type="none" w="med" len="med"/>
+                    </a:lnL>
+                    <a:lnR w="12700" cap="flat" cmpd="sng" algn="ctr">
+                      <a:solidFill>
+                        <a:schemeClr val="tx1"/>
+                      </a:solidFill>
+                      <a:prstDash val="solid"/>
+                      <a:round/>
+                      <a:headEnd type="none" w="med" len="med"/>
+                      <a:tailEnd type="none" w="med" len="med"/>
+                    </a:lnR>
+                    <a:lnT w="12700" cap="flat" cmpd="sng" algn="ctr">
+                      <a:solidFill>
+                        <a:schemeClr val="tx1"/>
+                      </a:solidFill>
+                      <a:prstDash val="solid"/>
+                      <a:round/>
+                      <a:headEnd type="none" w="med" len="med"/>
+                      <a:tailEnd type="none" w="med" len="med"/>
+                    </a:lnT>
+                    <a:lnB w="12700" cap="flat" cmpd="sng" algn="ctr">
+                      <a:solidFill>
+                        <a:schemeClr val="tx1"/>
+                      </a:solidFill>
+                      <a:prstDash val="solid"/>
+                      <a:round/>
+                      <a:headEnd type="none" w="med" len="med"/>
+                      <a:tailEnd type="none" w="med" len="med"/>
+                    </a:lnB>
+                    <a:noFill/>
+                  </a:tcPr>
+                </a:tc>
+              </a:tr>
+              <a:tr h="877643">
+                <a:tc>
+                  <a:txBody>
+                    <a:bodyPr/>
+                    <a:lstStyle/>
+                    <a:p>
+                      <a:pPr algn="ctr"/>
+                      <a:r>
+                        <a:rPr kumimoji="1" lang="ja-JP" altLang="en-US" sz="1600" dirty="0" smtClean="0">
+                          <a:solidFill>
+                            <a:schemeClr val="tx1"/>
+                          </a:solidFill>
+                          <a:latin typeface="+mn-ea"/>
+                          <a:ea typeface="+mn-ea"/>
+                          <a:cs typeface="Meiryo UI" pitchFamily="50" charset="-128"/>
+                        </a:rPr>
+                        <a:t>３、</a:t>
+                      </a:r>
+                    </a:p>
+                  </a:txBody>
+                  <a:tcPr>
+                    <a:lnL w="12700" cap="flat" cmpd="sng" algn="ctr">
+                      <a:solidFill>
+                        <a:schemeClr val="tx1"/>
+                      </a:solidFill>
+                      <a:prstDash val="solid"/>
+                      <a:round/>
+                      <a:headEnd type="none" w="med" len="med"/>
+                      <a:tailEnd type="none" w="med" len="med"/>
+                    </a:lnL>
+                    <a:lnR w="12700" cap="flat" cmpd="sng" algn="ctr">
+                      <a:solidFill>
+                        <a:schemeClr val="tx1"/>
+                      </a:solidFill>
+                      <a:prstDash val="solid"/>
+                      <a:round/>
+                      <a:headEnd type="none" w="med" len="med"/>
+                      <a:tailEnd type="none" w="med" len="med"/>
+                    </a:lnR>
+                    <a:lnT w="12700" cap="flat" cmpd="sng" algn="ctr">
+                      <a:solidFill>
+                        <a:schemeClr val="tx1"/>
+                      </a:solidFill>
+                      <a:prstDash val="solid"/>
+                      <a:round/>
+                      <a:headEnd type="none" w="med" len="med"/>
+                      <a:tailEnd type="none" w="med" len="med"/>
+                    </a:lnT>
+                    <a:lnB w="12700" cap="flat" cmpd="sng" algn="ctr">
+                      <a:solidFill>
+                        <a:schemeClr val="tx1"/>
+                      </a:solidFill>
+                      <a:prstDash val="solid"/>
+                      <a:round/>
+                      <a:headEnd type="none" w="med" len="med"/>
+                      <a:tailEnd type="none" w="med" len="med"/>
+                    </a:lnB>
+                    <a:noFill/>
+                  </a:tcPr>
+                </a:tc>
+                <a:tc>
+                  <a:txBody>
+                    <a:bodyPr/>
+                    <a:lstStyle/>
+                    <a:p>
+                      <a:pPr marL="0" algn="l" defTabSz="914400" rtl="0" eaLnBrk="1" latinLnBrk="0" hangingPunct="1"/>
+                      <a:r>
+                        <a:rPr kumimoji="1" lang="ja-JP" altLang="en-US" sz="1600" strike="noStrike" baseline="0" dirty="0" smtClean="0">
+                          <a:solidFill>
+                            <a:schemeClr val="tx1"/>
+                          </a:solidFill>
+                          <a:latin typeface="+mn-ea"/>
+                          <a:ea typeface="+mn-ea"/>
+                          <a:cs typeface="Meiryo UI" pitchFamily="50" charset="-128"/>
+                        </a:rPr>
+                        <a:t>損害調査と損保関連の</a:t>
+                      </a:r>
+                      <a:r>
+                        <a:rPr kumimoji="1" lang="en-US" altLang="ja-JP" sz="1600" strike="noStrike" baseline="0" dirty="0" smtClean="0">
+                          <a:solidFill>
+                            <a:schemeClr val="tx1"/>
+                          </a:solidFill>
+                          <a:latin typeface="+mn-ea"/>
+                          <a:ea typeface="+mn-ea"/>
+                          <a:cs typeface="Meiryo UI" pitchFamily="50" charset="-128"/>
+                        </a:rPr>
+                        <a:t>PJ</a:t>
+                      </a:r>
+                      <a:r>
+                        <a:rPr kumimoji="1" lang="ja-JP" altLang="en-US" sz="1600" strike="noStrike" baseline="0" dirty="0" smtClean="0">
+                          <a:solidFill>
+                            <a:schemeClr val="tx1"/>
+                          </a:solidFill>
+                          <a:latin typeface="+mn-ea"/>
+                          <a:ea typeface="+mn-ea"/>
+                          <a:cs typeface="Meiryo UI" pitchFamily="50" charset="-128"/>
+                        </a:rPr>
+                        <a:t>を長い年数の保守を担当したのに、業務ノウハウの整理と上流へ向けの設計能力がまだ不足している。</a:t>
+                      </a:r>
+                    </a:p>
+                  </a:txBody>
+                  <a:tcPr>
+                    <a:lnL w="12700" cap="flat" cmpd="sng" algn="ctr">
+                      <a:solidFill>
+                        <a:schemeClr val="tx1"/>
+                      </a:solidFill>
+                      <a:prstDash val="solid"/>
+                      <a:round/>
+                      <a:headEnd type="none" w="med" len="med"/>
+                      <a:tailEnd type="none" w="med" len="med"/>
+                    </a:lnL>
+                    <a:lnR w="12700" cap="flat" cmpd="sng" algn="ctr">
+                      <a:solidFill>
+                        <a:schemeClr val="tx1"/>
+                      </a:solidFill>
+                      <a:prstDash val="solid"/>
+                      <a:round/>
+                      <a:headEnd type="none" w="med" len="med"/>
+                      <a:tailEnd type="none" w="med" len="med"/>
+                    </a:lnR>
+                    <a:lnT w="12700" cap="flat" cmpd="sng" algn="ctr">
+                      <a:solidFill>
+                        <a:schemeClr val="tx1"/>
+                      </a:solidFill>
+                      <a:prstDash val="solid"/>
+                      <a:round/>
+                      <a:headEnd type="none" w="med" len="med"/>
+                      <a:tailEnd type="none" w="med" len="med"/>
+                    </a:lnT>
+                    <a:lnB w="12700" cap="flat" cmpd="sng" algn="ctr">
+                      <a:solidFill>
+                        <a:schemeClr val="tx1"/>
+                      </a:solidFill>
+                      <a:prstDash val="solid"/>
+                      <a:round/>
+                      <a:headEnd type="none" w="med" len="med"/>
+                      <a:tailEnd type="none" w="med" len="med"/>
+                    </a:lnB>
+                    <a:noFill/>
+                  </a:tcPr>
+                </a:tc>
+              </a:tr>
+              <a:tr h="877643">
+                <a:tc>
+                  <a:txBody>
+                    <a:bodyPr/>
+                    <a:lstStyle/>
+                    <a:p>
+                      <a:pPr algn="ctr"/>
+                      <a:r>
+                        <a:rPr kumimoji="1" lang="ja-JP" altLang="en-US" sz="1600" dirty="0" smtClean="0">
+                          <a:solidFill>
+                            <a:schemeClr val="tx1"/>
+                          </a:solidFill>
+                          <a:latin typeface="+mn-ea"/>
+                          <a:ea typeface="+mn-ea"/>
+                          <a:cs typeface="Meiryo UI" pitchFamily="50" charset="-128"/>
+                        </a:rPr>
+                        <a:t>４、</a:t>
+                      </a:r>
+                    </a:p>
+                  </a:txBody>
+                  <a:tcPr>
+                    <a:lnL w="12700" cap="flat" cmpd="sng" algn="ctr">
+                      <a:solidFill>
+                        <a:schemeClr val="tx1"/>
+                      </a:solidFill>
+                      <a:prstDash val="solid"/>
+                      <a:round/>
+                      <a:headEnd type="none" w="med" len="med"/>
+                      <a:tailEnd type="none" w="med" len="med"/>
+                    </a:lnL>
+                    <a:lnR w="12700" cap="flat" cmpd="sng" algn="ctr">
+                      <a:solidFill>
+                        <a:schemeClr val="tx1"/>
+                      </a:solidFill>
+                      <a:prstDash val="solid"/>
+                      <a:round/>
+                      <a:headEnd type="none" w="med" len="med"/>
+                      <a:tailEnd type="none" w="med" len="med"/>
+                    </a:lnR>
+                    <a:lnT w="12700" cap="flat" cmpd="sng" algn="ctr">
+                      <a:solidFill>
+                        <a:schemeClr val="tx1"/>
+                      </a:solidFill>
+                      <a:prstDash val="solid"/>
+                      <a:round/>
+                      <a:headEnd type="none" w="med" len="med"/>
+                      <a:tailEnd type="none" w="med" len="med"/>
+                    </a:lnT>
+                    <a:lnB w="12700" cap="flat" cmpd="sng" algn="ctr">
+                      <a:solidFill>
+                        <a:schemeClr val="tx1"/>
+                      </a:solidFill>
+                      <a:prstDash val="solid"/>
+                      <a:round/>
+                      <a:headEnd type="none" w="med" len="med"/>
+                      <a:tailEnd type="none" w="med" len="med"/>
+                    </a:lnB>
+                    <a:noFill/>
+                  </a:tcPr>
+                </a:tc>
+                <a:tc>
+                  <a:txBody>
+                    <a:bodyPr/>
+                    <a:lstStyle/>
+                    <a:p>
+                      <a:pPr marL="0" algn="l" defTabSz="914400" rtl="0" eaLnBrk="1" latinLnBrk="0" hangingPunct="1"/>
+                      <a:r>
+                        <a:rPr kumimoji="1" lang="ja-JP" altLang="en-US" sz="1600" strike="noStrike" baseline="0" dirty="0" smtClean="0">
+                          <a:solidFill>
+                            <a:schemeClr val="tx1"/>
+                          </a:solidFill>
+                          <a:latin typeface="+mn-ea"/>
+                          <a:ea typeface="+mn-ea"/>
+                          <a:cs typeface="Meiryo UI" pitchFamily="50" charset="-128"/>
+                        </a:rPr>
+                        <a:t>社員、パートナ、グループ会社（地方化）の比率はよくなくて、コストパフォーマンスに対して、まだ改善する余地がある。</a:t>
+                      </a:r>
                     </a:p>
                   </a:txBody>
                   <a:tcPr>
@@ -17072,66 +17540,939 @@
           <a:chExt cx="0" cy="0"/>
         </a:xfrm>
       </p:grpSpPr>
-      <p:pic>
-        <p:nvPicPr>
-          <p:cNvPr id="4" name="図 3"/>
-          <p:cNvPicPr>
-            <a:picLocks noChangeAspect="1"/>
-          </p:cNvPicPr>
-          <p:nvPr/>
-        </p:nvPicPr>
-        <p:blipFill>
-          <a:blip r:embed="rId2"/>
-          <a:stretch>
-            <a:fillRect/>
-          </a:stretch>
-        </p:blipFill>
-        <p:spPr>
-          <a:xfrm>
-            <a:off x="2144688" y="2204864"/>
-            <a:ext cx="5715000" cy="2533650"/>
-          </a:xfrm>
-          <a:prstGeom prst="rect">
-            <a:avLst/>
-          </a:prstGeom>
-        </p:spPr>
-      </p:pic>
       <p:sp>
         <p:nvSpPr>
-          <p:cNvPr id="2" name="正方形/長方形 1"/>
-          <p:cNvSpPr/>
-          <p:nvPr/>
+          <p:cNvPr id="6" name="テキスト プレースホルダー 5"/>
+          <p:cNvSpPr>
+            <a:spLocks noGrp="1"/>
+          </p:cNvSpPr>
+          <p:nvPr>
+            <p:ph type="body" sz="quarter" idx="15"/>
+          </p:nvPr>
         </p:nvSpPr>
-        <p:spPr>
-          <a:xfrm>
-            <a:off x="632520" y="476672"/>
-            <a:ext cx="4104009" cy="523220"/>
-          </a:xfrm>
-          <a:prstGeom prst="rect">
-            <a:avLst/>
-          </a:prstGeom>
-        </p:spPr>
+        <p:spPr/>
         <p:txBody>
-          <a:bodyPr wrap="none">
-            <a:spAutoFit/>
-          </a:bodyPr>
+          <a:bodyPr/>
           <a:lstStyle/>
           <a:p>
-            <a:r>
-              <a:rPr lang="ja-JP" altLang="en-US" sz="2800" dirty="0">
+            <a:pPr fontAlgn="auto">
+              <a:spcAft>
+                <a:spcPts val="300"/>
+              </a:spcAft>
+              <a:buClr>
+                <a:srgbClr val="0066B3"/>
+              </a:buClr>
+            </a:pPr>
+            <a:r>
+              <a:rPr lang="ja-JP" altLang="en-US" kern="0" dirty="0" smtClean="0">
+                <a:solidFill>
+                  <a:srgbClr val="000000"/>
+                </a:solidFill>
                 <a:latin typeface="Meiryo UI" panose="020B0604030504040204" pitchFamily="50" charset="-128"/>
                 <a:ea typeface="Meiryo UI" panose="020B0604030504040204" pitchFamily="50" charset="-128"/>
                 <a:cs typeface="Meiryo UI" panose="020B0604030504040204" pitchFamily="50" charset="-128"/>
               </a:rPr>
-              <a:t>ご清聴ありがとうございました</a:t>
-            </a:r>
+              <a:t>２．課題</a:t>
+            </a:r>
+            <a:r>
+              <a:rPr lang="en-US" altLang="ja-JP" kern="0" dirty="0" smtClean="0">
+                <a:solidFill>
+                  <a:srgbClr val="000000"/>
+                </a:solidFill>
+                <a:latin typeface="Meiryo UI" panose="020B0604030504040204" pitchFamily="50" charset="-128"/>
+                <a:ea typeface="Meiryo UI" panose="020B0604030504040204" pitchFamily="50" charset="-128"/>
+                <a:cs typeface="Meiryo UI" panose="020B0604030504040204" pitchFamily="50" charset="-128"/>
+              </a:rPr>
+              <a:t>---</a:t>
+            </a:r>
+            <a:r>
+              <a:rPr lang="ja-JP" altLang="en-US" kern="0" dirty="0" smtClean="0">
+                <a:latin typeface="Meiryo UI" panose="020B0604030504040204" pitchFamily="50" charset="-128"/>
+                <a:ea typeface="Meiryo UI" panose="020B0604030504040204" pitchFamily="50" charset="-128"/>
+                <a:cs typeface="Meiryo UI" panose="020B0604030504040204" pitchFamily="50" charset="-128"/>
+              </a:rPr>
+              <a:t>対策考慮</a:t>
+            </a:r>
+            <a:endParaRPr lang="ja-JP" altLang="en-US" kern="0" dirty="0">
+              <a:solidFill>
+                <a:srgbClr val="000000"/>
+              </a:solidFill>
+              <a:latin typeface="Meiryo UI" panose="020B0604030504040204" pitchFamily="50" charset="-128"/>
+              <a:ea typeface="Meiryo UI" panose="020B0604030504040204" pitchFamily="50" charset="-128"/>
+              <a:cs typeface="Meiryo UI" panose="020B0604030504040204" pitchFamily="50" charset="-128"/>
+            </a:endParaRPr>
+          </a:p>
+        </p:txBody>
+      </p:sp>
+      <p:graphicFrame>
+        <p:nvGraphicFramePr>
+          <p:cNvPr id="5" name="表 4"/>
+          <p:cNvGraphicFramePr>
+            <a:graphicFrameLocks noGrp="1"/>
+          </p:cNvGraphicFramePr>
+          <p:nvPr>
+            <p:extLst>
+              <p:ext uri="{D42A27DB-BD31-4B8C-83A1-F6EECF244321}">
+                <p14:modId xmlns:p14="http://schemas.microsoft.com/office/powerpoint/2010/main" val="3883660963"/>
+              </p:ext>
+            </p:extLst>
+          </p:nvPr>
+        </p:nvGraphicFramePr>
+        <p:xfrm>
+          <a:off x="293417" y="1079737"/>
+          <a:ext cx="9268095" cy="2866866"/>
+        </p:xfrm>
+        <a:graphic>
+          <a:graphicData uri="http://schemas.openxmlformats.org/drawingml/2006/table">
+            <a:tbl>
+              <a:tblPr firstRow="1" bandRow="1">
+                <a:tableStyleId>{5C22544A-7EE6-4342-B048-85BDC9FD1C3A}</a:tableStyleId>
+              </a:tblPr>
+              <a:tblGrid>
+                <a:gridCol w="483119"/>
+                <a:gridCol w="8784976"/>
+              </a:tblGrid>
+              <a:tr h="258993">
+                <a:tc>
+                  <a:txBody>
+                    <a:bodyPr/>
+                    <a:lstStyle/>
+                    <a:p>
+                      <a:pPr algn="ctr"/>
+                      <a:r>
+                        <a:rPr kumimoji="1" lang="en-US" altLang="ja-JP" sz="1800" b="1" dirty="0" smtClean="0">
+                          <a:solidFill>
+                            <a:schemeClr val="tx1"/>
+                          </a:solidFill>
+                          <a:latin typeface="+mj-ea"/>
+                          <a:ea typeface="+mj-ea"/>
+                        </a:rPr>
+                        <a:t>No</a:t>
+                      </a:r>
+                    </a:p>
+                  </a:txBody>
+                  <a:tcPr anchor="ctr">
+                    <a:lnL w="12700" cap="flat" cmpd="sng" algn="ctr">
+                      <a:solidFill>
+                        <a:schemeClr val="tx1"/>
+                      </a:solidFill>
+                      <a:prstDash val="solid"/>
+                      <a:round/>
+                      <a:headEnd type="none" w="med" len="med"/>
+                      <a:tailEnd type="none" w="med" len="med"/>
+                    </a:lnL>
+                    <a:lnR w="12700" cap="flat" cmpd="sng" algn="ctr">
+                      <a:solidFill>
+                        <a:schemeClr val="tx1"/>
+                      </a:solidFill>
+                      <a:prstDash val="solid"/>
+                      <a:round/>
+                      <a:headEnd type="none" w="med" len="med"/>
+                      <a:tailEnd type="none" w="med" len="med"/>
+                    </a:lnR>
+                    <a:lnT w="12700" cap="flat" cmpd="sng" algn="ctr">
+                      <a:solidFill>
+                        <a:schemeClr val="tx1"/>
+                      </a:solidFill>
+                      <a:prstDash val="solid"/>
+                      <a:round/>
+                      <a:headEnd type="none" w="med" len="med"/>
+                      <a:tailEnd type="none" w="med" len="med"/>
+                    </a:lnT>
+                    <a:lnB w="12700" cap="flat" cmpd="sng" algn="ctr">
+                      <a:solidFill>
+                        <a:schemeClr val="tx1"/>
+                      </a:solidFill>
+                      <a:prstDash val="solid"/>
+                      <a:round/>
+                      <a:headEnd type="none" w="med" len="med"/>
+                      <a:tailEnd type="none" w="med" len="med"/>
+                    </a:lnB>
+                    <a:solidFill>
+                      <a:srgbClr val="E5FFE5"/>
+                    </a:solidFill>
+                  </a:tcPr>
+                </a:tc>
+                <a:tc>
+                  <a:txBody>
+                    <a:bodyPr/>
+                    <a:lstStyle/>
+                    <a:p>
+                      <a:pPr algn="ctr"/>
+                      <a:r>
+                        <a:rPr kumimoji="1" lang="ja-JP" altLang="en-US" sz="1800" b="1" dirty="0" smtClean="0">
+                          <a:solidFill>
+                            <a:schemeClr val="tx1"/>
+                          </a:solidFill>
+                          <a:latin typeface="+mj-ea"/>
+                          <a:ea typeface="+mj-ea"/>
+                        </a:rPr>
+                        <a:t>主な課題の対策の考え</a:t>
+                      </a:r>
+                      <a:endParaRPr kumimoji="1" lang="en-US" altLang="ja-JP" sz="1800" b="1" dirty="0" smtClean="0">
+                        <a:solidFill>
+                          <a:schemeClr val="tx1"/>
+                        </a:solidFill>
+                        <a:latin typeface="+mj-ea"/>
+                        <a:ea typeface="+mj-ea"/>
+                      </a:endParaRPr>
+                    </a:p>
+                  </a:txBody>
+                  <a:tcPr anchor="ctr">
+                    <a:lnL w="12700" cap="flat" cmpd="sng" algn="ctr">
+                      <a:solidFill>
+                        <a:schemeClr val="tx1"/>
+                      </a:solidFill>
+                      <a:prstDash val="solid"/>
+                      <a:round/>
+                      <a:headEnd type="none" w="med" len="med"/>
+                      <a:tailEnd type="none" w="med" len="med"/>
+                    </a:lnL>
+                    <a:lnR w="12700" cap="flat" cmpd="sng" algn="ctr">
+                      <a:solidFill>
+                        <a:schemeClr val="tx1"/>
+                      </a:solidFill>
+                      <a:prstDash val="solid"/>
+                      <a:round/>
+                      <a:headEnd type="none" w="med" len="med"/>
+                      <a:tailEnd type="none" w="med" len="med"/>
+                    </a:lnR>
+                    <a:lnT w="12700" cap="flat" cmpd="sng" algn="ctr">
+                      <a:solidFill>
+                        <a:schemeClr val="tx1"/>
+                      </a:solidFill>
+                      <a:prstDash val="solid"/>
+                      <a:round/>
+                      <a:headEnd type="none" w="med" len="med"/>
+                      <a:tailEnd type="none" w="med" len="med"/>
+                    </a:lnT>
+                    <a:lnB w="12700" cap="flat" cmpd="sng" algn="ctr">
+                      <a:solidFill>
+                        <a:schemeClr val="tx1"/>
+                      </a:solidFill>
+                      <a:prstDash val="solid"/>
+                      <a:round/>
+                      <a:headEnd type="none" w="med" len="med"/>
+                      <a:tailEnd type="none" w="med" len="med"/>
+                    </a:lnB>
+                    <a:solidFill>
+                      <a:srgbClr val="E5FFE5"/>
+                    </a:solidFill>
+                  </a:tcPr>
+                </a:tc>
+              </a:tr>
+              <a:tr h="410073">
+                <a:tc>
+                  <a:txBody>
+                    <a:bodyPr/>
+                    <a:lstStyle/>
+                    <a:p>
+                      <a:pPr algn="ctr"/>
+                      <a:r>
+                        <a:rPr kumimoji="1" lang="ja-JP" altLang="en-US" sz="1600" dirty="0" smtClean="0">
+                          <a:solidFill>
+                            <a:schemeClr val="tx1"/>
+                          </a:solidFill>
+                          <a:latin typeface="+mn-ea"/>
+                          <a:ea typeface="+mn-ea"/>
+                          <a:cs typeface="Meiryo UI" pitchFamily="50" charset="-128"/>
+                        </a:rPr>
+                        <a:t>１、</a:t>
+                      </a:r>
+                    </a:p>
+                  </a:txBody>
+                  <a:tcPr>
+                    <a:lnL w="12700" cap="flat" cmpd="sng" algn="ctr">
+                      <a:solidFill>
+                        <a:schemeClr val="tx1"/>
+                      </a:solidFill>
+                      <a:prstDash val="solid"/>
+                      <a:round/>
+                      <a:headEnd type="none" w="med" len="med"/>
+                      <a:tailEnd type="none" w="med" len="med"/>
+                    </a:lnL>
+                    <a:lnR w="12700" cap="flat" cmpd="sng" algn="ctr">
+                      <a:solidFill>
+                        <a:schemeClr val="tx1"/>
+                      </a:solidFill>
+                      <a:prstDash val="solid"/>
+                      <a:round/>
+                      <a:headEnd type="none" w="med" len="med"/>
+                      <a:tailEnd type="none" w="med" len="med"/>
+                    </a:lnR>
+                    <a:lnT w="12700" cap="flat" cmpd="sng" algn="ctr">
+                      <a:solidFill>
+                        <a:schemeClr val="tx1"/>
+                      </a:solidFill>
+                      <a:prstDash val="solid"/>
+                      <a:round/>
+                      <a:headEnd type="none" w="med" len="med"/>
+                      <a:tailEnd type="none" w="med" len="med"/>
+                    </a:lnT>
+                    <a:lnB w="12700" cap="flat" cmpd="sng" algn="ctr">
+                      <a:solidFill>
+                        <a:schemeClr val="tx1"/>
+                      </a:solidFill>
+                      <a:prstDash val="solid"/>
+                      <a:round/>
+                      <a:headEnd type="none" w="med" len="med"/>
+                      <a:tailEnd type="none" w="med" len="med"/>
+                    </a:lnB>
+                    <a:noFill/>
+                  </a:tcPr>
+                </a:tc>
+                <a:tc>
+                  <a:txBody>
+                    <a:bodyPr/>
+                    <a:lstStyle/>
+                    <a:p>
+                      <a:pPr marL="0" algn="l" defTabSz="914400" rtl="0" eaLnBrk="1" latinLnBrk="0" hangingPunct="1"/>
+                      <a:r>
+                        <a:rPr kumimoji="1" lang="ja-JP" altLang="en-US" sz="1600" strike="noStrike" baseline="0" dirty="0" smtClean="0">
+                          <a:solidFill>
+                            <a:schemeClr val="tx1"/>
+                          </a:solidFill>
+                          <a:latin typeface="+mn-ea"/>
+                          <a:ea typeface="+mn-ea"/>
+                          <a:cs typeface="Meiryo UI" pitchFamily="50" charset="-128"/>
+                        </a:rPr>
+                        <a:t>損保グループ内のローテーションを実施し、年</a:t>
+                      </a:r>
+                      <a:r>
+                        <a:rPr kumimoji="1" lang="en-US" altLang="ja-JP" sz="1600" strike="noStrike" baseline="0" dirty="0" smtClean="0">
+                          <a:solidFill>
+                            <a:schemeClr val="tx1"/>
+                          </a:solidFill>
+                          <a:latin typeface="+mn-ea"/>
+                          <a:ea typeface="+mn-ea"/>
+                          <a:cs typeface="Meiryo UI" pitchFamily="50" charset="-128"/>
+                        </a:rPr>
+                        <a:t>1</a:t>
+                      </a:r>
+                      <a:r>
+                        <a:rPr kumimoji="1" lang="ja-JP" altLang="en-US" sz="1600" strike="noStrike" baseline="0" dirty="0" smtClean="0">
+                          <a:solidFill>
+                            <a:schemeClr val="tx1"/>
+                          </a:solidFill>
+                          <a:latin typeface="+mn-ea"/>
+                          <a:ea typeface="+mn-ea"/>
+                          <a:cs typeface="Meiryo UI" pitchFamily="50" charset="-128"/>
+                        </a:rPr>
+                        <a:t>回あるいは半年</a:t>
+                      </a:r>
+                      <a:r>
+                        <a:rPr kumimoji="1" lang="en-US" altLang="ja-JP" sz="1600" strike="noStrike" baseline="0" dirty="0" smtClean="0">
+                          <a:solidFill>
+                            <a:schemeClr val="tx1"/>
+                          </a:solidFill>
+                          <a:latin typeface="+mn-ea"/>
+                          <a:ea typeface="+mn-ea"/>
+                          <a:cs typeface="Meiryo UI" pitchFamily="50" charset="-128"/>
+                        </a:rPr>
+                        <a:t>1</a:t>
+                      </a:r>
+                      <a:r>
+                        <a:rPr kumimoji="1" lang="ja-JP" altLang="en-US" sz="1600" strike="noStrike" baseline="0" dirty="0" smtClean="0">
+                          <a:solidFill>
+                            <a:schemeClr val="tx1"/>
+                          </a:solidFill>
+                          <a:latin typeface="+mn-ea"/>
+                          <a:ea typeface="+mn-ea"/>
+                          <a:cs typeface="Meiryo UI" pitchFamily="50" charset="-128"/>
+                        </a:rPr>
+                        <a:t>回プロジェクト間のローテーションを実施する想定、特にリーダー層のほうで。</a:t>
+                      </a:r>
+                      <a:endParaRPr kumimoji="1" lang="ja-JP" altLang="en-US" sz="1600" strike="noStrike" baseline="0" dirty="0" smtClean="0">
+                        <a:solidFill>
+                          <a:schemeClr val="tx1"/>
+                        </a:solidFill>
+                        <a:latin typeface="+mn-ea"/>
+                        <a:ea typeface="+mn-ea"/>
+                        <a:cs typeface="Meiryo UI" pitchFamily="50" charset="-128"/>
+                      </a:endParaRPr>
+                    </a:p>
+                  </a:txBody>
+                  <a:tcPr>
+                    <a:lnL w="12700" cap="flat" cmpd="sng" algn="ctr">
+                      <a:solidFill>
+                        <a:schemeClr val="tx1"/>
+                      </a:solidFill>
+                      <a:prstDash val="solid"/>
+                      <a:round/>
+                      <a:headEnd type="none" w="med" len="med"/>
+                      <a:tailEnd type="none" w="med" len="med"/>
+                    </a:lnL>
+                    <a:lnR w="12700" cap="flat" cmpd="sng" algn="ctr">
+                      <a:solidFill>
+                        <a:schemeClr val="tx1"/>
+                      </a:solidFill>
+                      <a:prstDash val="solid"/>
+                      <a:round/>
+                      <a:headEnd type="none" w="med" len="med"/>
+                      <a:tailEnd type="none" w="med" len="med"/>
+                    </a:lnR>
+                    <a:lnT w="12700" cap="flat" cmpd="sng" algn="ctr">
+                      <a:solidFill>
+                        <a:schemeClr val="tx1"/>
+                      </a:solidFill>
+                      <a:prstDash val="solid"/>
+                      <a:round/>
+                      <a:headEnd type="none" w="med" len="med"/>
+                      <a:tailEnd type="none" w="med" len="med"/>
+                    </a:lnT>
+                    <a:lnB w="12700" cap="flat" cmpd="sng" algn="ctr">
+                      <a:solidFill>
+                        <a:schemeClr val="tx1"/>
+                      </a:solidFill>
+                      <a:prstDash val="solid"/>
+                      <a:round/>
+                      <a:headEnd type="none" w="med" len="med"/>
+                      <a:tailEnd type="none" w="med" len="med"/>
+                    </a:lnB>
+                    <a:noFill/>
+                  </a:tcPr>
+                </a:tc>
+              </a:tr>
+              <a:tr h="586530">
+                <a:tc>
+                  <a:txBody>
+                    <a:bodyPr/>
+                    <a:lstStyle/>
+                    <a:p>
+                      <a:pPr algn="ctr"/>
+                      <a:r>
+                        <a:rPr kumimoji="1" lang="ja-JP" altLang="en-US" sz="1600" dirty="0" smtClean="0">
+                          <a:solidFill>
+                            <a:schemeClr val="tx1"/>
+                          </a:solidFill>
+                          <a:latin typeface="+mn-ea"/>
+                          <a:ea typeface="+mn-ea"/>
+                          <a:cs typeface="Meiryo UI" pitchFamily="50" charset="-128"/>
+                        </a:rPr>
+                        <a:t>２、</a:t>
+                      </a:r>
+                    </a:p>
+                  </a:txBody>
+                  <a:tcPr>
+                    <a:lnL w="12700" cap="flat" cmpd="sng" algn="ctr">
+                      <a:solidFill>
+                        <a:schemeClr val="tx1"/>
+                      </a:solidFill>
+                      <a:prstDash val="solid"/>
+                      <a:round/>
+                      <a:headEnd type="none" w="med" len="med"/>
+                      <a:tailEnd type="none" w="med" len="med"/>
+                    </a:lnL>
+                    <a:lnR w="12700" cap="flat" cmpd="sng" algn="ctr">
+                      <a:solidFill>
+                        <a:schemeClr val="tx1"/>
+                      </a:solidFill>
+                      <a:prstDash val="solid"/>
+                      <a:round/>
+                      <a:headEnd type="none" w="med" len="med"/>
+                      <a:tailEnd type="none" w="med" len="med"/>
+                    </a:lnR>
+                    <a:lnT w="12700" cap="flat" cmpd="sng" algn="ctr">
+                      <a:solidFill>
+                        <a:schemeClr val="tx1"/>
+                      </a:solidFill>
+                      <a:prstDash val="solid"/>
+                      <a:round/>
+                      <a:headEnd type="none" w="med" len="med"/>
+                      <a:tailEnd type="none" w="med" len="med"/>
+                    </a:lnT>
+                    <a:lnB w="12700" cap="flat" cmpd="sng" algn="ctr">
+                      <a:solidFill>
+                        <a:schemeClr val="tx1"/>
+                      </a:solidFill>
+                      <a:prstDash val="solid"/>
+                      <a:round/>
+                      <a:headEnd type="none" w="med" len="med"/>
+                      <a:tailEnd type="none" w="med" len="med"/>
+                    </a:lnB>
+                    <a:noFill/>
+                  </a:tcPr>
+                </a:tc>
+                <a:tc>
+                  <a:txBody>
+                    <a:bodyPr/>
+                    <a:lstStyle/>
+                    <a:p>
+                      <a:pPr marL="0" algn="l" defTabSz="914400" rtl="0" eaLnBrk="1" latinLnBrk="0" hangingPunct="1"/>
+                      <a:r>
+                        <a:rPr kumimoji="1" lang="ja-JP" altLang="en-US" sz="1600" strike="noStrike" baseline="0" dirty="0" smtClean="0">
+                          <a:solidFill>
+                            <a:schemeClr val="tx1"/>
+                          </a:solidFill>
+                          <a:latin typeface="+mn-ea"/>
+                          <a:ea typeface="+mn-ea"/>
+                          <a:cs typeface="Meiryo UI" pitchFamily="50" charset="-128"/>
+                        </a:rPr>
+                        <a:t>スキルの老朽化と既存ノウハウの蓄積不足の課題により、障害とノウハウのデータをシステム化にして、検索しやすくなるようする。システム化する場合、新スキルを利用し、チームの活性化を図る。</a:t>
+                      </a:r>
+                    </a:p>
+                  </a:txBody>
+                  <a:tcPr>
+                    <a:lnL w="12700" cap="flat" cmpd="sng" algn="ctr">
+                      <a:solidFill>
+                        <a:schemeClr val="tx1"/>
+                      </a:solidFill>
+                      <a:prstDash val="solid"/>
+                      <a:round/>
+                      <a:headEnd type="none" w="med" len="med"/>
+                      <a:tailEnd type="none" w="med" len="med"/>
+                    </a:lnL>
+                    <a:lnR w="12700" cap="flat" cmpd="sng" algn="ctr">
+                      <a:solidFill>
+                        <a:schemeClr val="tx1"/>
+                      </a:solidFill>
+                      <a:prstDash val="solid"/>
+                      <a:round/>
+                      <a:headEnd type="none" w="med" len="med"/>
+                      <a:tailEnd type="none" w="med" len="med"/>
+                    </a:lnR>
+                    <a:lnT w="12700" cap="flat" cmpd="sng" algn="ctr">
+                      <a:solidFill>
+                        <a:schemeClr val="tx1"/>
+                      </a:solidFill>
+                      <a:prstDash val="solid"/>
+                      <a:round/>
+                      <a:headEnd type="none" w="med" len="med"/>
+                      <a:tailEnd type="none" w="med" len="med"/>
+                    </a:lnT>
+                    <a:lnB w="12700" cap="flat" cmpd="sng" algn="ctr">
+                      <a:solidFill>
+                        <a:schemeClr val="tx1"/>
+                      </a:solidFill>
+                      <a:prstDash val="solid"/>
+                      <a:round/>
+                      <a:headEnd type="none" w="med" len="med"/>
+                      <a:tailEnd type="none" w="med" len="med"/>
+                    </a:lnB>
+                    <a:noFill/>
+                  </a:tcPr>
+                </a:tc>
+              </a:tr>
+              <a:tr h="457813">
+                <a:tc>
+                  <a:txBody>
+                    <a:bodyPr/>
+                    <a:lstStyle/>
+                    <a:p>
+                      <a:pPr algn="ctr"/>
+                      <a:r>
+                        <a:rPr kumimoji="1" lang="ja-JP" altLang="en-US" sz="1600" dirty="0" smtClean="0">
+                          <a:solidFill>
+                            <a:schemeClr val="tx1"/>
+                          </a:solidFill>
+                          <a:latin typeface="+mn-ea"/>
+                          <a:ea typeface="+mn-ea"/>
+                          <a:cs typeface="Meiryo UI" pitchFamily="50" charset="-128"/>
+                        </a:rPr>
+                        <a:t>３、</a:t>
+                      </a:r>
+                    </a:p>
+                  </a:txBody>
+                  <a:tcPr>
+                    <a:lnL w="12700" cap="flat" cmpd="sng" algn="ctr">
+                      <a:solidFill>
+                        <a:schemeClr val="tx1"/>
+                      </a:solidFill>
+                      <a:prstDash val="solid"/>
+                      <a:round/>
+                      <a:headEnd type="none" w="med" len="med"/>
+                      <a:tailEnd type="none" w="med" len="med"/>
+                    </a:lnL>
+                    <a:lnR w="12700" cap="flat" cmpd="sng" algn="ctr">
+                      <a:solidFill>
+                        <a:schemeClr val="tx1"/>
+                      </a:solidFill>
+                      <a:prstDash val="solid"/>
+                      <a:round/>
+                      <a:headEnd type="none" w="med" len="med"/>
+                      <a:tailEnd type="none" w="med" len="med"/>
+                    </a:lnR>
+                    <a:lnT w="12700" cap="flat" cmpd="sng" algn="ctr">
+                      <a:solidFill>
+                        <a:schemeClr val="tx1"/>
+                      </a:solidFill>
+                      <a:prstDash val="solid"/>
+                      <a:round/>
+                      <a:headEnd type="none" w="med" len="med"/>
+                      <a:tailEnd type="none" w="med" len="med"/>
+                    </a:lnT>
+                    <a:lnB w="12700" cap="flat" cmpd="sng" algn="ctr">
+                      <a:solidFill>
+                        <a:schemeClr val="tx1"/>
+                      </a:solidFill>
+                      <a:prstDash val="solid"/>
+                      <a:round/>
+                      <a:headEnd type="none" w="med" len="med"/>
+                      <a:tailEnd type="none" w="med" len="med"/>
+                    </a:lnB>
+                    <a:noFill/>
+                  </a:tcPr>
+                </a:tc>
+                <a:tc>
+                  <a:txBody>
+                    <a:bodyPr/>
+                    <a:lstStyle/>
+                    <a:p>
+                      <a:pPr marL="0" algn="l" defTabSz="914400" rtl="0" eaLnBrk="1" latinLnBrk="0" hangingPunct="1"/>
+                      <a:r>
+                        <a:rPr kumimoji="1" lang="ja-JP" altLang="en-US" sz="1600" strike="noStrike" baseline="0" dirty="0" smtClean="0">
+                          <a:solidFill>
+                            <a:schemeClr val="tx1"/>
+                          </a:solidFill>
+                          <a:latin typeface="+mn-ea"/>
+                          <a:ea typeface="+mn-ea"/>
+                          <a:cs typeface="Meiryo UI" pitchFamily="50" charset="-128"/>
+                        </a:rPr>
+                        <a:t>生産性向上させるため</a:t>
+                      </a:r>
+                      <a:r>
+                        <a:rPr kumimoji="1" lang="ja-JP" altLang="en-US" sz="1600" strike="noStrike" baseline="0" dirty="0" smtClean="0">
+                          <a:solidFill>
+                            <a:schemeClr val="tx1"/>
+                          </a:solidFill>
+                          <a:latin typeface="+mn-ea"/>
+                          <a:ea typeface="+mn-ea"/>
+                          <a:cs typeface="Meiryo UI" pitchFamily="50" charset="-128"/>
+                        </a:rPr>
+                        <a:t>、各自動化ツール</a:t>
+                      </a:r>
+                      <a:r>
+                        <a:rPr kumimoji="1" lang="ja-JP" altLang="en-US" sz="1600" strike="noStrike" baseline="0" dirty="0" smtClean="0">
+                          <a:solidFill>
+                            <a:schemeClr val="tx1"/>
+                          </a:solidFill>
+                          <a:latin typeface="+mn-ea"/>
+                          <a:ea typeface="+mn-ea"/>
+                          <a:cs typeface="Meiryo UI" pitchFamily="50" charset="-128"/>
+                        </a:rPr>
+                        <a:t>の検討を</a:t>
+                      </a:r>
+                      <a:r>
+                        <a:rPr kumimoji="1" lang="ja-JP" altLang="en-US" sz="1600" strike="noStrike" baseline="0" dirty="0" smtClean="0">
+                          <a:solidFill>
+                            <a:schemeClr val="tx1"/>
+                          </a:solidFill>
+                          <a:latin typeface="+mn-ea"/>
+                          <a:ea typeface="+mn-ea"/>
+                          <a:cs typeface="Meiryo UI" pitchFamily="50" charset="-128"/>
+                        </a:rPr>
+                        <a:t>行うと</a:t>
+                      </a:r>
+                      <a:r>
+                        <a:rPr kumimoji="1" lang="ja-JP" altLang="en-US" sz="1600" strike="noStrike" baseline="0" dirty="0" smtClean="0">
+                          <a:solidFill>
+                            <a:schemeClr val="tx1"/>
+                          </a:solidFill>
+                          <a:latin typeface="+mn-ea"/>
+                          <a:ea typeface="+mn-ea"/>
+                          <a:cs typeface="Meiryo UI" pitchFamily="50" charset="-128"/>
+                        </a:rPr>
+                        <a:t>想定</a:t>
+                      </a:r>
+                    </a:p>
+                  </a:txBody>
+                  <a:tcPr>
+                    <a:lnL w="12700" cap="flat" cmpd="sng" algn="ctr">
+                      <a:solidFill>
+                        <a:schemeClr val="tx1"/>
+                      </a:solidFill>
+                      <a:prstDash val="solid"/>
+                      <a:round/>
+                      <a:headEnd type="none" w="med" len="med"/>
+                      <a:tailEnd type="none" w="med" len="med"/>
+                    </a:lnL>
+                    <a:lnR w="12700" cap="flat" cmpd="sng" algn="ctr">
+                      <a:solidFill>
+                        <a:schemeClr val="tx1"/>
+                      </a:solidFill>
+                      <a:prstDash val="solid"/>
+                      <a:round/>
+                      <a:headEnd type="none" w="med" len="med"/>
+                      <a:tailEnd type="none" w="med" len="med"/>
+                    </a:lnR>
+                    <a:lnT w="12700" cap="flat" cmpd="sng" algn="ctr">
+                      <a:solidFill>
+                        <a:schemeClr val="tx1"/>
+                      </a:solidFill>
+                      <a:prstDash val="solid"/>
+                      <a:round/>
+                      <a:headEnd type="none" w="med" len="med"/>
+                      <a:tailEnd type="none" w="med" len="med"/>
+                    </a:lnT>
+                    <a:lnB w="12700" cap="flat" cmpd="sng" algn="ctr">
+                      <a:solidFill>
+                        <a:schemeClr val="tx1"/>
+                      </a:solidFill>
+                      <a:prstDash val="solid"/>
+                      <a:round/>
+                      <a:headEnd type="none" w="med" len="med"/>
+                      <a:tailEnd type="none" w="med" len="med"/>
+                    </a:lnB>
+                    <a:noFill/>
+                  </a:tcPr>
+                </a:tc>
+              </a:tr>
+              <a:tr h="877643">
+                <a:tc>
+                  <a:txBody>
+                    <a:bodyPr/>
+                    <a:lstStyle/>
+                    <a:p>
+                      <a:pPr algn="ctr"/>
+                      <a:r>
+                        <a:rPr kumimoji="1" lang="ja-JP" altLang="en-US" sz="1600" dirty="0" smtClean="0">
+                          <a:solidFill>
+                            <a:schemeClr val="tx1"/>
+                          </a:solidFill>
+                          <a:latin typeface="+mn-ea"/>
+                          <a:ea typeface="+mn-ea"/>
+                          <a:cs typeface="Meiryo UI" pitchFamily="50" charset="-128"/>
+                        </a:rPr>
+                        <a:t>４、</a:t>
+                      </a:r>
+                      <a:endParaRPr kumimoji="1" lang="ja-JP" altLang="en-US" sz="1600" dirty="0" smtClean="0">
+                        <a:solidFill>
+                          <a:schemeClr val="tx1"/>
+                        </a:solidFill>
+                        <a:latin typeface="+mn-ea"/>
+                        <a:ea typeface="+mn-ea"/>
+                        <a:cs typeface="Meiryo UI" pitchFamily="50" charset="-128"/>
+                      </a:endParaRPr>
+                    </a:p>
+                  </a:txBody>
+                  <a:tcPr>
+                    <a:lnL w="12700" cap="flat" cmpd="sng" algn="ctr">
+                      <a:solidFill>
+                        <a:schemeClr val="tx1"/>
+                      </a:solidFill>
+                      <a:prstDash val="solid"/>
+                      <a:round/>
+                      <a:headEnd type="none" w="med" len="med"/>
+                      <a:tailEnd type="none" w="med" len="med"/>
+                    </a:lnL>
+                    <a:lnR w="12700" cap="flat" cmpd="sng" algn="ctr">
+                      <a:solidFill>
+                        <a:schemeClr val="tx1"/>
+                      </a:solidFill>
+                      <a:prstDash val="solid"/>
+                      <a:round/>
+                      <a:headEnd type="none" w="med" len="med"/>
+                      <a:tailEnd type="none" w="med" len="med"/>
+                    </a:lnR>
+                    <a:lnT w="12700" cap="flat" cmpd="sng" algn="ctr">
+                      <a:solidFill>
+                        <a:schemeClr val="tx1"/>
+                      </a:solidFill>
+                      <a:prstDash val="solid"/>
+                      <a:round/>
+                      <a:headEnd type="none" w="med" len="med"/>
+                      <a:tailEnd type="none" w="med" len="med"/>
+                    </a:lnT>
+                    <a:lnB w="12700" cap="flat" cmpd="sng" algn="ctr">
+                      <a:solidFill>
+                        <a:schemeClr val="tx1"/>
+                      </a:solidFill>
+                      <a:prstDash val="solid"/>
+                      <a:round/>
+                      <a:headEnd type="none" w="med" len="med"/>
+                      <a:tailEnd type="none" w="med" len="med"/>
+                    </a:lnB>
+                    <a:noFill/>
+                  </a:tcPr>
+                </a:tc>
+                <a:tc>
+                  <a:txBody>
+                    <a:bodyPr/>
+                    <a:lstStyle/>
+                    <a:p>
+                      <a:pPr marL="0" algn="l" defTabSz="914400" rtl="0" eaLnBrk="1" latinLnBrk="0" hangingPunct="1"/>
+                      <a:r>
+                        <a:rPr kumimoji="1" lang="ja-JP" altLang="en-US" sz="1600" strike="noStrike" baseline="0" dirty="0" smtClean="0">
+                          <a:solidFill>
+                            <a:schemeClr val="tx1"/>
+                          </a:solidFill>
+                          <a:latin typeface="+mn-ea"/>
+                          <a:ea typeface="+mn-ea"/>
+                          <a:cs typeface="Meiryo UI" pitchFamily="50" charset="-128"/>
+                        </a:rPr>
+                        <a:t>社員：地方化社員・パートナの比率は１：２あるいは１：３のほうはよいと</a:t>
+                      </a:r>
+                      <a:r>
+                        <a:rPr kumimoji="1" lang="ja-JP" altLang="en-US" sz="1600" strike="noStrike" baseline="0" dirty="0" smtClean="0">
+                          <a:solidFill>
+                            <a:schemeClr val="tx1"/>
+                          </a:solidFill>
+                          <a:latin typeface="+mn-ea"/>
+                          <a:ea typeface="+mn-ea"/>
+                          <a:cs typeface="Meiryo UI" pitchFamily="50" charset="-128"/>
+                        </a:rPr>
+                        <a:t>思う。発注工数にも関わりますが、工数は許す前提で、その方向で調整していく。そして、この比率を達成するためには、社員層の管理力を</a:t>
+                      </a:r>
+                      <a:endParaRPr kumimoji="1" lang="ja-JP" altLang="en-US" sz="1600" strike="noStrike" baseline="0" dirty="0" smtClean="0">
+                        <a:solidFill>
+                          <a:schemeClr val="tx1"/>
+                        </a:solidFill>
+                        <a:latin typeface="+mn-ea"/>
+                        <a:ea typeface="+mn-ea"/>
+                        <a:cs typeface="Meiryo UI" pitchFamily="50" charset="-128"/>
+                      </a:endParaRPr>
+                    </a:p>
+                  </a:txBody>
+                  <a:tcPr>
+                    <a:lnL w="12700" cap="flat" cmpd="sng" algn="ctr">
+                      <a:solidFill>
+                        <a:schemeClr val="tx1"/>
+                      </a:solidFill>
+                      <a:prstDash val="solid"/>
+                      <a:round/>
+                      <a:headEnd type="none" w="med" len="med"/>
+                      <a:tailEnd type="none" w="med" len="med"/>
+                    </a:lnL>
+                    <a:lnR w="12700" cap="flat" cmpd="sng" algn="ctr">
+                      <a:solidFill>
+                        <a:schemeClr val="tx1"/>
+                      </a:solidFill>
+                      <a:prstDash val="solid"/>
+                      <a:round/>
+                      <a:headEnd type="none" w="med" len="med"/>
+                      <a:tailEnd type="none" w="med" len="med"/>
+                    </a:lnR>
+                    <a:lnT w="12700" cap="flat" cmpd="sng" algn="ctr">
+                      <a:solidFill>
+                        <a:schemeClr val="tx1"/>
+                      </a:solidFill>
+                      <a:prstDash val="solid"/>
+                      <a:round/>
+                      <a:headEnd type="none" w="med" len="med"/>
+                      <a:tailEnd type="none" w="med" len="med"/>
+                    </a:lnT>
+                    <a:lnB w="12700" cap="flat" cmpd="sng" algn="ctr">
+                      <a:solidFill>
+                        <a:schemeClr val="tx1"/>
+                      </a:solidFill>
+                      <a:prstDash val="solid"/>
+                      <a:round/>
+                      <a:headEnd type="none" w="med" len="med"/>
+                      <a:tailEnd type="none" w="med" len="med"/>
+                    </a:lnB>
+                    <a:noFill/>
+                  </a:tcPr>
+                </a:tc>
+              </a:tr>
+            </a:tbl>
+          </a:graphicData>
+        </a:graphic>
+      </p:graphicFrame>
+    </p:spTree>
+    <p:extLst>
+      <p:ext uri="{BB962C8B-B14F-4D97-AF65-F5344CB8AC3E}">
+        <p14:creationId xmlns:p14="http://schemas.microsoft.com/office/powerpoint/2010/main" val="3384849245"/>
+      </p:ext>
+    </p:extLst>
+  </p:cSld>
+  <p:clrMapOvr>
+    <a:masterClrMapping/>
+  </p:clrMapOvr>
+  <p:timing>
+    <p:tnLst>
+      <p:par>
+        <p:cTn id="1" dur="indefinite" restart="never" nodeType="tmRoot"/>
+      </p:par>
+    </p:tnLst>
+  </p:timing>
+</p:sld>
+</file>
+
+<file path=ppt/slides/slide9.xml><?xml version="1.0" encoding="utf-8"?>
+<p:sld xmlns:a="http://schemas.openxmlformats.org/drawingml/2006/main" xmlns:r="http://schemas.openxmlformats.org/officeDocument/2006/relationships" xmlns:p="http://schemas.openxmlformats.org/presentationml/2006/main">
+  <p:cSld>
+    <p:spTree>
+      <p:nvGrpSpPr>
+        <p:cNvPr id="1" name=""/>
+        <p:cNvGrpSpPr/>
+        <p:nvPr/>
+      </p:nvGrpSpPr>
+      <p:grpSpPr>
+        <a:xfrm>
+          <a:off x="0" y="0"/>
+          <a:ext cx="0" cy="0"/>
+          <a:chOff x="0" y="0"/>
+          <a:chExt cx="0" cy="0"/>
+        </a:xfrm>
+      </p:grpSpPr>
+      <p:sp>
+        <p:nvSpPr>
+          <p:cNvPr id="6" name="テキスト プレースホルダー 5"/>
+          <p:cNvSpPr>
+            <a:spLocks noGrp="1"/>
+          </p:cNvSpPr>
+          <p:nvPr>
+            <p:ph type="body" sz="quarter" idx="15"/>
+          </p:nvPr>
+        </p:nvSpPr>
+        <p:spPr/>
+        <p:txBody>
+          <a:bodyPr/>
+          <a:lstStyle/>
+          <a:p>
+            <a:pPr fontAlgn="auto">
+              <a:spcAft>
+                <a:spcPts val="300"/>
+              </a:spcAft>
+              <a:buClr>
+                <a:srgbClr val="0066B3"/>
+              </a:buClr>
+            </a:pPr>
+            <a:r>
+              <a:rPr lang="ja-JP" altLang="en-US" kern="0" dirty="0" smtClean="0">
+                <a:solidFill>
+                  <a:srgbClr val="000000"/>
+                </a:solidFill>
+                <a:latin typeface="Meiryo UI" panose="020B0604030504040204" pitchFamily="50" charset="-128"/>
+                <a:ea typeface="Meiryo UI" panose="020B0604030504040204" pitchFamily="50" charset="-128"/>
+                <a:cs typeface="Meiryo UI" panose="020B0604030504040204" pitchFamily="50" charset="-128"/>
+              </a:rPr>
+              <a:t>２．課題</a:t>
+            </a:r>
+            <a:r>
+              <a:rPr lang="en-US" altLang="ja-JP" kern="0" dirty="0" smtClean="0">
+                <a:solidFill>
+                  <a:srgbClr val="000000"/>
+                </a:solidFill>
+                <a:latin typeface="Meiryo UI" panose="020B0604030504040204" pitchFamily="50" charset="-128"/>
+                <a:ea typeface="Meiryo UI" panose="020B0604030504040204" pitchFamily="50" charset="-128"/>
+                <a:cs typeface="Meiryo UI" panose="020B0604030504040204" pitchFamily="50" charset="-128"/>
+              </a:rPr>
+              <a:t>---</a:t>
+            </a:r>
+            <a:r>
+              <a:rPr lang="ja-JP" altLang="en-US" kern="0" dirty="0" smtClean="0">
+                <a:latin typeface="Meiryo UI" panose="020B0604030504040204" pitchFamily="50" charset="-128"/>
+                <a:ea typeface="Meiryo UI" panose="020B0604030504040204" pitchFamily="50" charset="-128"/>
+                <a:cs typeface="Meiryo UI" panose="020B0604030504040204" pitchFamily="50" charset="-128"/>
+              </a:rPr>
+              <a:t>体制のローテーション</a:t>
+            </a:r>
+            <a:endParaRPr lang="ja-JP" altLang="en-US" kern="0" dirty="0">
+              <a:solidFill>
+                <a:srgbClr val="000000"/>
+              </a:solidFill>
+              <a:latin typeface="Meiryo UI" panose="020B0604030504040204" pitchFamily="50" charset="-128"/>
+              <a:ea typeface="Meiryo UI" panose="020B0604030504040204" pitchFamily="50" charset="-128"/>
+              <a:cs typeface="Meiryo UI" panose="020B0604030504040204" pitchFamily="50" charset="-128"/>
+            </a:endParaRPr>
           </a:p>
         </p:txBody>
       </p:sp>
     </p:spTree>
     <p:extLst>
       <p:ext uri="{BB962C8B-B14F-4D97-AF65-F5344CB8AC3E}">
-        <p14:creationId xmlns:p14="http://schemas.microsoft.com/office/powerpoint/2010/main" val="4164267003"/>
+        <p14:creationId xmlns:p14="http://schemas.microsoft.com/office/powerpoint/2010/main" val="2211726051"/>
       </p:ext>
     </p:extLst>
   </p:cSld>
